--- a/DocSources/images/metricslogs.pptx
+++ b/DocSources/images/metricslogs.pptx
@@ -104,6 +104,11 @@
       </a:defRPr>
     </a:lvl9pPr>
   </p:defaultTextStyle>
+  <p:extLst>
+    <p:ext uri="{EFAFB233-063F-42B5-8137-9DF3F51BA10A}">
+      <p15:sldGuideLst xmlns:p15="http://schemas.microsoft.com/office/powerpoint/2012/main"/>
+    </p:ext>
+  </p:extLst>
 </p:presentation>
 </file>
 
@@ -238,7 +243,7 @@
           <a:p>
             <a:fld id="{D17AC539-23B9-4B80-9137-56B4B02330C3}" type="datetimeFigureOut">
               <a:rPr lang="en-US" smtClean="0"/>
-              <a:t>4/19/2017</a:t>
+              <a:t>5/2/2017</a:t>
             </a:fld>
             <a:endParaRPr lang="en-US"/>
           </a:p>
@@ -408,7 +413,7 @@
           <a:p>
             <a:fld id="{D17AC539-23B9-4B80-9137-56B4B02330C3}" type="datetimeFigureOut">
               <a:rPr lang="en-US" smtClean="0"/>
-              <a:t>4/19/2017</a:t>
+              <a:t>5/2/2017</a:t>
             </a:fld>
             <a:endParaRPr lang="en-US"/>
           </a:p>
@@ -588,7 +593,7 @@
           <a:p>
             <a:fld id="{D17AC539-23B9-4B80-9137-56B4B02330C3}" type="datetimeFigureOut">
               <a:rPr lang="en-US" smtClean="0"/>
-              <a:t>4/19/2017</a:t>
+              <a:t>5/2/2017</a:t>
             </a:fld>
             <a:endParaRPr lang="en-US"/>
           </a:p>
@@ -758,7 +763,7 @@
           <a:p>
             <a:fld id="{D17AC539-23B9-4B80-9137-56B4B02330C3}" type="datetimeFigureOut">
               <a:rPr lang="en-US" smtClean="0"/>
-              <a:t>4/19/2017</a:t>
+              <a:t>5/2/2017</a:t>
             </a:fld>
             <a:endParaRPr lang="en-US"/>
           </a:p>
@@ -1004,7 +1009,7 @@
           <a:p>
             <a:fld id="{D17AC539-23B9-4B80-9137-56B4B02330C3}" type="datetimeFigureOut">
               <a:rPr lang="en-US" smtClean="0"/>
-              <a:t>4/19/2017</a:t>
+              <a:t>5/2/2017</a:t>
             </a:fld>
             <a:endParaRPr lang="en-US"/>
           </a:p>
@@ -1236,7 +1241,7 @@
           <a:p>
             <a:fld id="{D17AC539-23B9-4B80-9137-56B4B02330C3}" type="datetimeFigureOut">
               <a:rPr lang="en-US" smtClean="0"/>
-              <a:t>4/19/2017</a:t>
+              <a:t>5/2/2017</a:t>
             </a:fld>
             <a:endParaRPr lang="en-US"/>
           </a:p>
@@ -1603,7 +1608,7 @@
           <a:p>
             <a:fld id="{D17AC539-23B9-4B80-9137-56B4B02330C3}" type="datetimeFigureOut">
               <a:rPr lang="en-US" smtClean="0"/>
-              <a:t>4/19/2017</a:t>
+              <a:t>5/2/2017</a:t>
             </a:fld>
             <a:endParaRPr lang="en-US"/>
           </a:p>
@@ -1721,7 +1726,7 @@
           <a:p>
             <a:fld id="{D17AC539-23B9-4B80-9137-56B4B02330C3}" type="datetimeFigureOut">
               <a:rPr lang="en-US" smtClean="0"/>
-              <a:t>4/19/2017</a:t>
+              <a:t>5/2/2017</a:t>
             </a:fld>
             <a:endParaRPr lang="en-US"/>
           </a:p>
@@ -1816,7 +1821,7 @@
           <a:p>
             <a:fld id="{D17AC539-23B9-4B80-9137-56B4B02330C3}" type="datetimeFigureOut">
               <a:rPr lang="en-US" smtClean="0"/>
-              <a:t>4/19/2017</a:t>
+              <a:t>5/2/2017</a:t>
             </a:fld>
             <a:endParaRPr lang="en-US"/>
           </a:p>
@@ -2093,7 +2098,7 @@
           <a:p>
             <a:fld id="{D17AC539-23B9-4B80-9137-56B4B02330C3}" type="datetimeFigureOut">
               <a:rPr lang="en-US" smtClean="0"/>
-              <a:t>4/19/2017</a:t>
+              <a:t>5/2/2017</a:t>
             </a:fld>
             <a:endParaRPr lang="en-US"/>
           </a:p>
@@ -2346,7 +2351,7 @@
           <a:p>
             <a:fld id="{D17AC539-23B9-4B80-9137-56B4B02330C3}" type="datetimeFigureOut">
               <a:rPr lang="en-US" smtClean="0"/>
-              <a:t>4/19/2017</a:t>
+              <a:t>5/2/2017</a:t>
             </a:fld>
             <a:endParaRPr lang="en-US"/>
           </a:p>
@@ -2559,7 +2564,7 @@
           <a:p>
             <a:fld id="{D17AC539-23B9-4B80-9137-56B4B02330C3}" type="datetimeFigureOut">
               <a:rPr lang="en-US" smtClean="0"/>
-              <a:t>4/19/2017</a:t>
+              <a:t>5/2/2017</a:t>
             </a:fld>
             <a:endParaRPr lang="en-US"/>
           </a:p>
@@ -2966,7 +2971,7 @@
       </p:grpSpPr>
       <p:grpSp>
         <p:nvGrpSpPr>
-          <p:cNvPr id="41" name="Group 40"/>
+          <p:cNvPr id="46" name="Group 45"/>
           <p:cNvGrpSpPr/>
           <p:nvPr/>
         </p:nvGrpSpPr>
@@ -2978,1323 +2983,1923 @@
             <a:chExt cx="7374309" cy="5685184"/>
           </a:xfrm>
         </p:grpSpPr>
+        <p:grpSp>
+          <p:nvGrpSpPr>
+            <p:cNvPr id="29" name="Group 28"/>
+            <p:cNvGrpSpPr/>
+            <p:nvPr/>
+          </p:nvGrpSpPr>
+          <p:grpSpPr>
+            <a:xfrm>
+              <a:off x="1403648" y="912168"/>
+              <a:ext cx="7374309" cy="5685184"/>
+              <a:chOff x="1403648" y="912168"/>
+              <a:chExt cx="7374309" cy="5685184"/>
+            </a:xfrm>
+          </p:grpSpPr>
+          <p:sp>
+            <p:nvSpPr>
+              <p:cNvPr id="4" name="TextBox 3"/>
+              <p:cNvSpPr txBox="1"/>
+              <p:nvPr/>
+            </p:nvSpPr>
+            <p:spPr>
+              <a:xfrm>
+                <a:off x="4290722" y="6258798"/>
+                <a:ext cx="1433406" cy="338554"/>
+              </a:xfrm>
+              <a:prstGeom prst="rect">
+                <a:avLst/>
+              </a:prstGeom>
+              <a:noFill/>
+            </p:spPr>
+            <p:txBody>
+              <a:bodyPr wrap="none" rtlCol="0">
+                <a:spAutoFit/>
+              </a:bodyPr>
+              <a:lstStyle/>
+              <a:p>
+                <a:r>
+                  <a:rPr lang="de-DE" sz="1600" dirty="0" smtClean="0">
+                    <a:latin typeface="Fujitsu Sans" panose="020B0404060202020204" pitchFamily="34" charset="0"/>
+                  </a:rPr>
+                  <a:t>OpenStack Operator</a:t>
+                </a:r>
+                <a:endParaRPr lang="en-US" sz="1600" dirty="0" smtClean="0">
+                  <a:latin typeface="Fujitsu Sans" panose="020B0404060202020204" pitchFamily="34" charset="0"/>
+                </a:endParaRPr>
+              </a:p>
+            </p:txBody>
+          </p:sp>
+          <p:sp>
+            <p:nvSpPr>
+              <p:cNvPr id="5" name="TextBox 4"/>
+              <p:cNvSpPr txBox="1"/>
+              <p:nvPr/>
+            </p:nvSpPr>
+            <p:spPr>
+              <a:xfrm>
+                <a:off x="2627784" y="6258798"/>
+                <a:ext cx="1487908" cy="338554"/>
+              </a:xfrm>
+              <a:prstGeom prst="rect">
+                <a:avLst/>
+              </a:prstGeom>
+              <a:noFill/>
+            </p:spPr>
+            <p:txBody>
+              <a:bodyPr wrap="none" rtlCol="0">
+                <a:spAutoFit/>
+              </a:bodyPr>
+              <a:lstStyle/>
+              <a:p>
+                <a:r>
+                  <a:rPr lang="de-DE" sz="1600" dirty="0" err="1" smtClean="0">
+                    <a:latin typeface="Fujitsu Sans" panose="020B0404060202020204" pitchFamily="34" charset="0"/>
+                  </a:rPr>
+                  <a:t>Application</a:t>
+                </a:r>
+                <a:r>
+                  <a:rPr lang="de-DE" sz="1600" dirty="0" smtClean="0">
+                    <a:latin typeface="Fujitsu Sans" panose="020B0404060202020204" pitchFamily="34" charset="0"/>
+                  </a:rPr>
+                  <a:t> Operator</a:t>
+                </a:r>
+                <a:endParaRPr lang="en-US" sz="1600" dirty="0" smtClean="0">
+                  <a:latin typeface="Fujitsu Sans" panose="020B0404060202020204" pitchFamily="34" charset="0"/>
+                </a:endParaRPr>
+              </a:p>
+            </p:txBody>
+          </p:sp>
+          <p:sp>
+            <p:nvSpPr>
+              <p:cNvPr id="6" name="TextBox 5"/>
+              <p:cNvSpPr txBox="1"/>
+              <p:nvPr/>
+            </p:nvSpPr>
+            <p:spPr>
+              <a:xfrm>
+                <a:off x="2135037" y="5301208"/>
+                <a:ext cx="1572867" cy="307777"/>
+              </a:xfrm>
+              <a:prstGeom prst="rect">
+                <a:avLst/>
+              </a:prstGeom>
+              <a:noFill/>
+            </p:spPr>
+            <p:txBody>
+              <a:bodyPr wrap="none" rtlCol="0">
+                <a:spAutoFit/>
+              </a:bodyPr>
+              <a:lstStyle/>
+              <a:p>
+                <a:r>
+                  <a:rPr lang="en-US" sz="1400" dirty="0" smtClean="0">
+                    <a:latin typeface="Fujitsu Sans" panose="020B0404060202020204" pitchFamily="34" charset="0"/>
+                  </a:rPr>
+                  <a:t>Monitors VM for Service A </a:t>
+                </a:r>
+                <a:endParaRPr lang="en-US" sz="1400" dirty="0">
+                  <a:latin typeface="Fujitsu Sans" panose="020B0404060202020204" pitchFamily="34" charset="0"/>
+                </a:endParaRPr>
+              </a:p>
+            </p:txBody>
+          </p:sp>
+          <p:sp>
+            <p:nvSpPr>
+              <p:cNvPr id="8" name="Rectangle 7"/>
+              <p:cNvSpPr/>
+              <p:nvPr/>
+            </p:nvSpPr>
+            <p:spPr bwMode="auto">
+              <a:xfrm>
+                <a:off x="3204540" y="1196752"/>
+                <a:ext cx="2108650" cy="3600400"/>
+              </a:xfrm>
+              <a:prstGeom prst="rect">
+                <a:avLst/>
+              </a:prstGeom>
+              <a:solidFill>
+                <a:srgbClr val="CACAC7"/>
+              </a:solidFill>
+              <a:ln w="6350" cap="flat" cmpd="sng" algn="ctr">
+                <a:solidFill>
+                  <a:srgbClr val="57564F"/>
+                </a:solidFill>
+                <a:prstDash val="dash"/>
+                <a:round/>
+                <a:headEnd type="none" w="med" len="med"/>
+                <a:tailEnd type="none" w="med" len="med"/>
+              </a:ln>
+              <a:effectLst/>
+              <a:extLst/>
+            </p:spPr>
+            <p:txBody>
+              <a:bodyPr vert="horz" wrap="none" lIns="91440" tIns="45720" rIns="91440" bIns="45720" numCol="1" rtlCol="0" anchor="t" anchorCtr="0" compatLnSpc="1">
+                <a:prstTxWarp prst="textNoShape">
+                  <a:avLst/>
+                </a:prstTxWarp>
+              </a:bodyPr>
+              <a:lstStyle/>
+              <a:p>
+                <a:pPr algn="l"/>
+                <a:endParaRPr lang="en-US" sz="1000" dirty="0">
+                  <a:latin typeface="Fujitsu Sans" panose="020B0404060202020204" pitchFamily="34" charset="0"/>
+                </a:endParaRPr>
+              </a:p>
+            </p:txBody>
+          </p:sp>
+          <p:sp>
+            <p:nvSpPr>
+              <p:cNvPr id="9" name="Rounded Rectangle 8"/>
+              <p:cNvSpPr/>
+              <p:nvPr/>
+            </p:nvSpPr>
+            <p:spPr bwMode="gray">
+              <a:xfrm>
+                <a:off x="3348555" y="1484784"/>
+                <a:ext cx="1670767" cy="934381"/>
+              </a:xfrm>
+              <a:prstGeom prst="roundRect">
+                <a:avLst/>
+              </a:prstGeom>
+              <a:solidFill>
+                <a:srgbClr val="7E7D76"/>
+              </a:solidFill>
+              <a:ln w="9525" cap="flat" cmpd="sng" algn="ctr">
+                <a:solidFill>
+                  <a:schemeClr val="accent3"/>
+                </a:solidFill>
+                <a:prstDash val="solid"/>
+                <a:round/>
+                <a:headEnd type="none" w="med" len="med"/>
+                <a:tailEnd type="none" w="med" len="med"/>
+              </a:ln>
+              <a:effectLst>
+                <a:outerShdw dist="53882" dir="2700000" algn="ctr" rotWithShape="0">
+                  <a:schemeClr val="bg2">
+                    <a:alpha val="50000"/>
+                  </a:schemeClr>
+                </a:outerShdw>
+              </a:effectLst>
+              <a:extLst/>
+            </p:spPr>
+            <p:txBody>
+              <a:bodyPr vert="horz" wrap="none" lIns="91440" tIns="45720" rIns="91440" bIns="45720" numCol="1" rtlCol="0" anchor="ctr" anchorCtr="0" compatLnSpc="1">
+                <a:prstTxWarp prst="textNoShape">
+                  <a:avLst/>
+                </a:prstTxWarp>
+              </a:bodyPr>
+              <a:lstStyle/>
+              <a:p>
+                <a:endParaRPr lang="en-US" sz="1100" dirty="0">
+                  <a:solidFill>
+                    <a:schemeClr val="bg1"/>
+                  </a:solidFill>
+                  <a:latin typeface="Fujitsu Sans" panose="020B0404060202020204" pitchFamily="34" charset="0"/>
+                </a:endParaRPr>
+              </a:p>
+            </p:txBody>
+          </p:sp>
+          <p:sp>
+            <p:nvSpPr>
+              <p:cNvPr id="10" name="TextBox 9"/>
+              <p:cNvSpPr txBox="1"/>
+              <p:nvPr/>
+            </p:nvSpPr>
+            <p:spPr>
+              <a:xfrm>
+                <a:off x="1403648" y="2594774"/>
+                <a:ext cx="745717" cy="338554"/>
+              </a:xfrm>
+              <a:prstGeom prst="rect">
+                <a:avLst/>
+              </a:prstGeom>
+              <a:noFill/>
+            </p:spPr>
+            <p:txBody>
+              <a:bodyPr wrap="none" rtlCol="0">
+                <a:spAutoFit/>
+              </a:bodyPr>
+              <a:lstStyle/>
+              <a:p>
+                <a:r>
+                  <a:rPr lang="de-DE" sz="1600" dirty="0" smtClean="0">
+                    <a:latin typeface="Fujitsu Sans" panose="020B0404060202020204" pitchFamily="34" charset="0"/>
+                  </a:rPr>
+                  <a:t>End User</a:t>
+                </a:r>
+                <a:endParaRPr lang="en-US" sz="1600" dirty="0" smtClean="0">
+                  <a:latin typeface="Fujitsu Sans" panose="020B0404060202020204" pitchFamily="34" charset="0"/>
+                </a:endParaRPr>
+              </a:p>
+            </p:txBody>
+          </p:sp>
+          <p:sp>
+            <p:nvSpPr>
+              <p:cNvPr id="11" name="TextBox 10"/>
+              <p:cNvSpPr txBox="1"/>
+              <p:nvPr/>
+            </p:nvSpPr>
+            <p:spPr>
+              <a:xfrm>
+                <a:off x="7020272" y="2594774"/>
+                <a:ext cx="1757685" cy="338554"/>
+              </a:xfrm>
+              <a:prstGeom prst="rect">
+                <a:avLst/>
+              </a:prstGeom>
+              <a:noFill/>
+            </p:spPr>
+            <p:txBody>
+              <a:bodyPr wrap="square" rtlCol="0">
+                <a:spAutoFit/>
+              </a:bodyPr>
+              <a:lstStyle/>
+              <a:p>
+                <a:r>
+                  <a:rPr lang="en-US" sz="1600" dirty="0" smtClean="0">
+                    <a:latin typeface="Fujitsu Sans" panose="020B0404060202020204" pitchFamily="34" charset="0"/>
+                  </a:rPr>
+                  <a:t>     Monitoring Service </a:t>
+                </a:r>
+              </a:p>
+            </p:txBody>
+          </p:sp>
+          <p:cxnSp>
+            <p:nvCxnSpPr>
+              <p:cNvPr id="12" name="Elbow Connector 4"/>
+              <p:cNvCxnSpPr/>
+              <p:nvPr/>
+            </p:nvCxnSpPr>
+            <p:spPr bwMode="auto">
+              <a:xfrm>
+                <a:off x="2267744" y="1916832"/>
+                <a:ext cx="1030669" cy="12700"/>
+              </a:xfrm>
+              <a:prstGeom prst="curvedConnector3">
+                <a:avLst>
+                  <a:gd name="adj1" fmla="val 50000"/>
+                </a:avLst>
+              </a:prstGeom>
+              <a:gradFill rotWithShape="0">
+                <a:gsLst>
+                  <a:gs pos="0">
+                    <a:srgbClr val="FFFFFF"/>
+                  </a:gs>
+                  <a:gs pos="100000">
+                    <a:srgbClr val="CACAC7"/>
+                  </a:gs>
+                </a:gsLst>
+                <a:lin ang="5400000" scaled="1"/>
+              </a:gradFill>
+              <a:ln w="19050" cap="flat" cmpd="sng" algn="ctr">
+                <a:solidFill>
+                  <a:srgbClr val="57564F"/>
+                </a:solidFill>
+                <a:prstDash val="solid"/>
+                <a:round/>
+                <a:headEnd type="none" w="med" len="med"/>
+                <a:tailEnd type="triangle" w="med" len="med"/>
+              </a:ln>
+              <a:effectLst/>
+              <a:extLst>
+                <a:ext uri="{AF507438-7753-43E0-B8FC-AC1667EBCBE1}">
+                  <a14:hiddenEffects xmlns:a14="http://schemas.microsoft.com/office/drawing/2010/main">
+                    <a:effectLst>
+                      <a:outerShdw dist="53882" dir="2700000" algn="ctr" rotWithShape="0">
+                        <a:schemeClr val="bg2">
+                          <a:alpha val="50000"/>
+                        </a:schemeClr>
+                      </a:outerShdw>
+                    </a:effectLst>
+                  </a14:hiddenEffects>
+                </a:ext>
+              </a:extLst>
+            </p:spPr>
+          </p:cxnSp>
+          <p:sp>
+            <p:nvSpPr>
+              <p:cNvPr id="13" name="Rectangle 12"/>
+              <p:cNvSpPr/>
+              <p:nvPr/>
+            </p:nvSpPr>
+            <p:spPr bwMode="auto">
+              <a:xfrm>
+                <a:off x="2844500" y="912168"/>
+                <a:ext cx="2778127" cy="4153271"/>
+              </a:xfrm>
+              <a:prstGeom prst="rect">
+                <a:avLst/>
+              </a:prstGeom>
+              <a:noFill/>
+              <a:ln w="19050">
+                <a:solidFill>
+                  <a:schemeClr val="tx1"/>
+                </a:solidFill>
+                <a:prstDash val="sysDot"/>
+                <a:headEnd type="none" w="med" len="med"/>
+                <a:tailEnd type="none" w="med" len="med"/>
+              </a:ln>
+            </p:spPr>
+            <p:style>
+              <a:lnRef idx="2">
+                <a:schemeClr val="dk1"/>
+              </a:lnRef>
+              <a:fillRef idx="1">
+                <a:schemeClr val="lt1"/>
+              </a:fillRef>
+              <a:effectRef idx="0">
+                <a:schemeClr val="dk1"/>
+              </a:effectRef>
+              <a:fontRef idx="minor">
+                <a:schemeClr val="dk1"/>
+              </a:fontRef>
+            </p:style>
+            <p:txBody>
+              <a:bodyPr vert="horz" wrap="none" lIns="91440" tIns="45720" rIns="91440" bIns="45720" numCol="1" rtlCol="0" anchor="t" anchorCtr="0" compatLnSpc="1">
+                <a:prstTxWarp prst="textNoShape">
+                  <a:avLst/>
+                </a:prstTxWarp>
+              </a:bodyPr>
+              <a:lstStyle/>
+              <a:p>
+                <a:pPr marL="0" marR="0" indent="0" algn="l" defTabSz="914400" rtl="0" eaLnBrk="1" fontAlgn="ctr" latinLnBrk="0" hangingPunct="1">
+                  <a:lnSpc>
+                    <a:spcPct val="100000"/>
+                  </a:lnSpc>
+                  <a:spcBef>
+                    <a:spcPct val="0"/>
+                  </a:spcBef>
+                  <a:spcAft>
+                    <a:spcPct val="0"/>
+                  </a:spcAft>
+                  <a:buClrTx/>
+                  <a:buSzTx/>
+                  <a:buFontTx/>
+                  <a:buNone/>
+                  <a:tabLst/>
+                </a:pPr>
+                <a:r>
+                  <a:rPr kumimoji="1" lang="en-US" sz="1600" b="0" i="0" u="none" strike="noStrike" cap="none" normalizeH="0" baseline="0" dirty="0" smtClean="0">
+                    <a:ln>
+                      <a:noFill/>
+                    </a:ln>
+                    <a:solidFill>
+                      <a:schemeClr val="tx1"/>
+                    </a:solidFill>
+                    <a:effectLst/>
+                    <a:latin typeface="Fujitsu Sans" panose="020B0404060202020204" pitchFamily="34" charset="0"/>
+                    <a:ea typeface="ＭＳ Ｐゴシック" pitchFamily="50" charset="-128"/>
+                  </a:rPr>
+                  <a:t>Cloud Infrastructure</a:t>
+                </a:r>
+              </a:p>
+            </p:txBody>
+          </p:sp>
+          <p:sp>
+            <p:nvSpPr>
+              <p:cNvPr id="14" name="Rounded Rectangle 13"/>
+              <p:cNvSpPr/>
+              <p:nvPr/>
+            </p:nvSpPr>
+            <p:spPr>
+              <a:xfrm>
+                <a:off x="3420563" y="2004765"/>
+                <a:ext cx="471553" cy="344115"/>
+              </a:xfrm>
+              <a:prstGeom prst="roundRect">
+                <a:avLst>
+                  <a:gd name="adj" fmla="val 24699"/>
+                </a:avLst>
+              </a:prstGeom>
+              <a:noFill/>
+              <a:ln w="9525">
+                <a:solidFill>
+                  <a:schemeClr val="bg1"/>
+                </a:solidFill>
+              </a:ln>
+            </p:spPr>
+            <p:style>
+              <a:lnRef idx="2">
+                <a:schemeClr val="accent1">
+                  <a:shade val="50000"/>
+                </a:schemeClr>
+              </a:lnRef>
+              <a:fillRef idx="1">
+                <a:schemeClr val="accent1"/>
+              </a:fillRef>
+              <a:effectRef idx="0">
+                <a:schemeClr val="accent1"/>
+              </a:effectRef>
+              <a:fontRef idx="minor">
+                <a:schemeClr val="lt1"/>
+              </a:fontRef>
+            </p:style>
+            <p:txBody>
+              <a:bodyPr rtlCol="0" anchor="t"/>
+              <a:lstStyle/>
+              <a:p>
+                <a:r>
+                  <a:rPr lang="de-DE" sz="1600" dirty="0" smtClean="0">
+                    <a:solidFill>
+                      <a:schemeClr val="bg1"/>
+                    </a:solidFill>
+                    <a:latin typeface="Fujitsu Sans" panose="020B0404060202020204" pitchFamily="34" charset="0"/>
+                  </a:rPr>
+                  <a:t>VM</a:t>
+                </a:r>
+                <a:endParaRPr lang="en-US" sz="1600" dirty="0">
+                  <a:solidFill>
+                    <a:schemeClr val="bg1"/>
+                  </a:solidFill>
+                  <a:latin typeface="Fujitsu Sans" panose="020B0404060202020204" pitchFamily="34" charset="0"/>
+                </a:endParaRPr>
+              </a:p>
+            </p:txBody>
+          </p:sp>
+          <p:sp>
+            <p:nvSpPr>
+              <p:cNvPr id="15" name="Rounded Rectangle 14"/>
+              <p:cNvSpPr/>
+              <p:nvPr/>
+            </p:nvSpPr>
+            <p:spPr>
+              <a:xfrm>
+                <a:off x="3960465" y="2004766"/>
+                <a:ext cx="468210" cy="344114"/>
+              </a:xfrm>
+              <a:prstGeom prst="roundRect">
+                <a:avLst>
+                  <a:gd name="adj" fmla="val 24699"/>
+                </a:avLst>
+              </a:prstGeom>
+              <a:noFill/>
+              <a:ln w="9525">
+                <a:solidFill>
+                  <a:schemeClr val="bg1"/>
+                </a:solidFill>
+              </a:ln>
+            </p:spPr>
+            <p:style>
+              <a:lnRef idx="2">
+                <a:schemeClr val="accent1">
+                  <a:shade val="50000"/>
+                </a:schemeClr>
+              </a:lnRef>
+              <a:fillRef idx="1">
+                <a:schemeClr val="accent1"/>
+              </a:fillRef>
+              <a:effectRef idx="0">
+                <a:schemeClr val="accent1"/>
+              </a:effectRef>
+              <a:fontRef idx="minor">
+                <a:schemeClr val="lt1"/>
+              </a:fontRef>
+            </p:style>
+            <p:txBody>
+              <a:bodyPr rtlCol="0" anchor="t"/>
+              <a:lstStyle/>
+              <a:p>
+                <a:r>
+                  <a:rPr lang="de-DE" sz="1600" dirty="0" smtClean="0">
+                    <a:solidFill>
+                      <a:schemeClr val="bg1"/>
+                    </a:solidFill>
+                    <a:latin typeface="Fujitsu Sans" panose="020B0404060202020204" pitchFamily="34" charset="0"/>
+                  </a:rPr>
+                  <a:t>AP</a:t>
+                </a:r>
+                <a:endParaRPr lang="en-US" sz="1600" dirty="0">
+                  <a:solidFill>
+                    <a:schemeClr val="bg1"/>
+                  </a:solidFill>
+                  <a:latin typeface="Fujitsu Sans" panose="020B0404060202020204" pitchFamily="34" charset="0"/>
+                </a:endParaRPr>
+              </a:p>
+            </p:txBody>
+          </p:sp>
+          <p:sp>
+            <p:nvSpPr>
+              <p:cNvPr id="16" name="Rounded Rectangle 15"/>
+              <p:cNvSpPr/>
+              <p:nvPr/>
+            </p:nvSpPr>
+            <p:spPr>
+              <a:xfrm>
+                <a:off x="4500683" y="2004765"/>
+                <a:ext cx="452331" cy="344115"/>
+              </a:xfrm>
+              <a:prstGeom prst="roundRect">
+                <a:avLst>
+                  <a:gd name="adj" fmla="val 24699"/>
+                </a:avLst>
+              </a:prstGeom>
+              <a:noFill/>
+              <a:ln w="9525">
+                <a:solidFill>
+                  <a:schemeClr val="bg1"/>
+                </a:solidFill>
+              </a:ln>
+            </p:spPr>
+            <p:style>
+              <a:lnRef idx="2">
+                <a:schemeClr val="accent1">
+                  <a:shade val="50000"/>
+                </a:schemeClr>
+              </a:lnRef>
+              <a:fillRef idx="1">
+                <a:schemeClr val="accent1"/>
+              </a:fillRef>
+              <a:effectRef idx="0">
+                <a:schemeClr val="accent1"/>
+              </a:effectRef>
+              <a:fontRef idx="minor">
+                <a:schemeClr val="lt1"/>
+              </a:fontRef>
+            </p:style>
+            <p:txBody>
+              <a:bodyPr rtlCol="0" anchor="t"/>
+              <a:lstStyle/>
+              <a:p>
+                <a:r>
+                  <a:rPr lang="de-DE" sz="1600" dirty="0" smtClean="0">
+                    <a:solidFill>
+                      <a:schemeClr val="bg1"/>
+                    </a:solidFill>
+                    <a:latin typeface="Fujitsu Sans" panose="020B0404060202020204" pitchFamily="34" charset="0"/>
+                  </a:rPr>
+                  <a:t>DB</a:t>
+                </a:r>
+                <a:endParaRPr lang="en-US" sz="1600" dirty="0">
+                  <a:solidFill>
+                    <a:schemeClr val="bg1"/>
+                  </a:solidFill>
+                  <a:latin typeface="Fujitsu Sans" panose="020B0404060202020204" pitchFamily="34" charset="0"/>
+                </a:endParaRPr>
+              </a:p>
+            </p:txBody>
+          </p:sp>
+          <p:sp>
+            <p:nvSpPr>
+              <p:cNvPr id="17" name="Rounded Rectangle 16"/>
+              <p:cNvSpPr/>
+              <p:nvPr/>
+            </p:nvSpPr>
+            <p:spPr bwMode="gray">
+              <a:xfrm>
+                <a:off x="3348556" y="3624496"/>
+                <a:ext cx="1656184" cy="884624"/>
+              </a:xfrm>
+              <a:prstGeom prst="roundRect">
+                <a:avLst/>
+              </a:prstGeom>
+              <a:solidFill>
+                <a:srgbClr val="7E7D76"/>
+              </a:solidFill>
+              <a:ln w="9525" cap="flat" cmpd="sng" algn="ctr">
+                <a:solidFill>
+                  <a:schemeClr val="accent3"/>
+                </a:solidFill>
+                <a:prstDash val="solid"/>
+                <a:round/>
+                <a:headEnd type="none" w="med" len="med"/>
+                <a:tailEnd type="none" w="med" len="med"/>
+              </a:ln>
+              <a:effectLst>
+                <a:outerShdw dist="53882" dir="2700000" algn="ctr" rotWithShape="0">
+                  <a:schemeClr val="bg2">
+                    <a:alpha val="50000"/>
+                  </a:schemeClr>
+                </a:outerShdw>
+              </a:effectLst>
+              <a:extLst/>
+            </p:spPr>
+            <p:txBody>
+              <a:bodyPr vert="horz" wrap="none" lIns="91440" tIns="45720" rIns="91440" bIns="45720" numCol="1" rtlCol="0" anchor="ctr" anchorCtr="0" compatLnSpc="1">
+                <a:prstTxWarp prst="textNoShape">
+                  <a:avLst/>
+                </a:prstTxWarp>
+              </a:bodyPr>
+              <a:lstStyle/>
+              <a:p>
+                <a:endParaRPr lang="en-US" sz="1100" dirty="0">
+                  <a:solidFill>
+                    <a:schemeClr val="bg1"/>
+                  </a:solidFill>
+                  <a:latin typeface="Fujitsu Sans" panose="020B0404060202020204" pitchFamily="34" charset="0"/>
+                </a:endParaRPr>
+              </a:p>
+            </p:txBody>
+          </p:sp>
+          <p:sp>
+            <p:nvSpPr>
+              <p:cNvPr id="18" name="Rounded Rectangle 17"/>
+              <p:cNvSpPr/>
+              <p:nvPr/>
+            </p:nvSpPr>
+            <p:spPr>
+              <a:xfrm>
+                <a:off x="3456529" y="3903716"/>
+                <a:ext cx="1404194" cy="317372"/>
+              </a:xfrm>
+              <a:prstGeom prst="roundRect">
+                <a:avLst>
+                  <a:gd name="adj" fmla="val 24699"/>
+                </a:avLst>
+              </a:prstGeom>
+              <a:noFill/>
+              <a:ln w="9525">
+                <a:solidFill>
+                  <a:schemeClr val="bg1"/>
+                </a:solidFill>
+              </a:ln>
+            </p:spPr>
+            <p:style>
+              <a:lnRef idx="2">
+                <a:schemeClr val="accent1">
+                  <a:shade val="50000"/>
+                </a:schemeClr>
+              </a:lnRef>
+              <a:fillRef idx="1">
+                <a:schemeClr val="accent1"/>
+              </a:fillRef>
+              <a:effectRef idx="0">
+                <a:schemeClr val="accent1"/>
+              </a:effectRef>
+              <a:fontRef idx="minor">
+                <a:schemeClr val="lt1"/>
+              </a:fontRef>
+            </p:style>
+            <p:txBody>
+              <a:bodyPr rtlCol="0" anchor="t"/>
+              <a:lstStyle/>
+              <a:p>
+                <a:r>
+                  <a:rPr lang="de-DE" sz="1600" dirty="0" smtClean="0">
+                    <a:solidFill>
+                      <a:schemeClr val="bg1"/>
+                    </a:solidFill>
+                    <a:latin typeface="Fujitsu Sans" panose="020B0404060202020204" pitchFamily="34" charset="0"/>
+                  </a:rPr>
+                  <a:t>Open Stack Nova</a:t>
+                </a:r>
+                <a:endParaRPr lang="en-US" sz="1600" dirty="0">
+                  <a:solidFill>
+                    <a:schemeClr val="bg1"/>
+                  </a:solidFill>
+                  <a:latin typeface="Fujitsu Sans" panose="020B0404060202020204" pitchFamily="34" charset="0"/>
+                </a:endParaRPr>
+              </a:p>
+            </p:txBody>
+          </p:sp>
+          <p:cxnSp>
+            <p:nvCxnSpPr>
+              <p:cNvPr id="19" name="Elbow Connector 4"/>
+              <p:cNvCxnSpPr/>
+              <p:nvPr/>
+            </p:nvCxnSpPr>
+            <p:spPr bwMode="auto">
+              <a:xfrm>
+                <a:off x="2267744" y="3056260"/>
+                <a:ext cx="1080120" cy="12700"/>
+              </a:xfrm>
+              <a:prstGeom prst="curvedConnector3">
+                <a:avLst>
+                  <a:gd name="adj1" fmla="val 50000"/>
+                </a:avLst>
+              </a:prstGeom>
+              <a:gradFill rotWithShape="0">
+                <a:gsLst>
+                  <a:gs pos="0">
+                    <a:srgbClr val="FFFFFF"/>
+                  </a:gs>
+                  <a:gs pos="100000">
+                    <a:srgbClr val="CACAC7"/>
+                  </a:gs>
+                </a:gsLst>
+                <a:lin ang="5400000" scaled="1"/>
+              </a:gradFill>
+              <a:ln w="19050" cap="flat" cmpd="sng" algn="ctr">
+                <a:solidFill>
+                  <a:srgbClr val="57564F"/>
+                </a:solidFill>
+                <a:prstDash val="solid"/>
+                <a:round/>
+                <a:headEnd type="none" w="med" len="med"/>
+                <a:tailEnd type="triangle" w="med" len="med"/>
+              </a:ln>
+              <a:effectLst/>
+              <a:extLst>
+                <a:ext uri="{AF507438-7753-43E0-B8FC-AC1667EBCBE1}">
+                  <a14:hiddenEffects xmlns:a14="http://schemas.microsoft.com/office/drawing/2010/main">
+                    <a:effectLst>
+                      <a:outerShdw dist="53882" dir="2700000" algn="ctr" rotWithShape="0">
+                        <a:schemeClr val="bg2">
+                          <a:alpha val="50000"/>
+                        </a:schemeClr>
+                      </a:outerShdw>
+                    </a:effectLst>
+                  </a14:hiddenEffects>
+                </a:ext>
+              </a:extLst>
+            </p:spPr>
+          </p:cxnSp>
+          <p:cxnSp>
+            <p:nvCxnSpPr>
+              <p:cNvPr id="20" name="Elbow Connector 4"/>
+              <p:cNvCxnSpPr/>
+              <p:nvPr/>
+            </p:nvCxnSpPr>
+            <p:spPr bwMode="auto">
+              <a:xfrm rot="10800000">
+                <a:off x="5292080" y="2628000"/>
+                <a:ext cx="1799510" cy="8912"/>
+              </a:xfrm>
+              <a:prstGeom prst="curvedConnector3">
+                <a:avLst>
+                  <a:gd name="adj1" fmla="val 50000"/>
+                </a:avLst>
+              </a:prstGeom>
+              <a:gradFill rotWithShape="0">
+                <a:gsLst>
+                  <a:gs pos="0">
+                    <a:srgbClr val="FFFFFF"/>
+                  </a:gs>
+                  <a:gs pos="100000">
+                    <a:srgbClr val="CACAC7"/>
+                  </a:gs>
+                </a:gsLst>
+                <a:lin ang="5400000" scaled="1"/>
+              </a:gradFill>
+              <a:ln w="19050" cap="flat" cmpd="sng" algn="ctr">
+                <a:solidFill>
+                  <a:srgbClr val="57564F"/>
+                </a:solidFill>
+                <a:prstDash val="solid"/>
+                <a:round/>
+                <a:headEnd type="none" w="med" len="med"/>
+                <a:tailEnd type="triangle" w="med" len="med"/>
+              </a:ln>
+              <a:effectLst/>
+              <a:extLst>
+                <a:ext uri="{AF507438-7753-43E0-B8FC-AC1667EBCBE1}">
+                  <a14:hiddenEffects xmlns:a14="http://schemas.microsoft.com/office/drawing/2010/main">
+                    <a:effectLst>
+                      <a:outerShdw dist="53882" dir="2700000" algn="ctr" rotWithShape="0">
+                        <a:schemeClr val="bg2">
+                          <a:alpha val="50000"/>
+                        </a:schemeClr>
+                      </a:outerShdw>
+                    </a:effectLst>
+                  </a14:hiddenEffects>
+                </a:ext>
+              </a:extLst>
+            </p:spPr>
+          </p:cxnSp>
+          <p:cxnSp>
+            <p:nvCxnSpPr>
+              <p:cNvPr id="21" name="Elbow Connector 4"/>
+              <p:cNvCxnSpPr/>
+              <p:nvPr/>
+            </p:nvCxnSpPr>
+            <p:spPr bwMode="auto">
+              <a:xfrm rot="5400000" flipH="1" flipV="1">
+                <a:off x="4382843" y="5225675"/>
+                <a:ext cx="863396" cy="6351"/>
+              </a:xfrm>
+              <a:prstGeom prst="curvedConnector3">
+                <a:avLst>
+                  <a:gd name="adj1" fmla="val 50000"/>
+                </a:avLst>
+              </a:prstGeom>
+              <a:gradFill rotWithShape="0">
+                <a:gsLst>
+                  <a:gs pos="0">
+                    <a:srgbClr val="FFFFFF"/>
+                  </a:gs>
+                  <a:gs pos="100000">
+                    <a:srgbClr val="CACAC7"/>
+                  </a:gs>
+                </a:gsLst>
+                <a:lin ang="5400000" scaled="1"/>
+              </a:gradFill>
+              <a:ln w="19050" cap="flat" cmpd="sng" algn="ctr">
+                <a:solidFill>
+                  <a:srgbClr val="57564F"/>
+                </a:solidFill>
+                <a:prstDash val="solid"/>
+                <a:round/>
+                <a:headEnd type="none" w="med" len="med"/>
+                <a:tailEnd type="triangle" w="med" len="med"/>
+              </a:ln>
+              <a:effectLst/>
+              <a:extLst>
+                <a:ext uri="{AF507438-7753-43E0-B8FC-AC1667EBCBE1}">
+                  <a14:hiddenEffects xmlns:a14="http://schemas.microsoft.com/office/drawing/2010/main">
+                    <a:effectLst>
+                      <a:outerShdw dist="53882" dir="2700000" algn="ctr" rotWithShape="0">
+                        <a:schemeClr val="bg2">
+                          <a:alpha val="50000"/>
+                        </a:schemeClr>
+                      </a:outerShdw>
+                    </a:effectLst>
+                  </a14:hiddenEffects>
+                </a:ext>
+              </a:extLst>
+            </p:spPr>
+          </p:cxnSp>
+          <p:sp>
+            <p:nvSpPr>
+              <p:cNvPr id="22" name="Rounded Rectangle 21"/>
+              <p:cNvSpPr/>
+              <p:nvPr/>
+            </p:nvSpPr>
+            <p:spPr>
+              <a:xfrm>
+                <a:off x="3635896" y="1599460"/>
+                <a:ext cx="1070509" cy="317372"/>
+              </a:xfrm>
+              <a:prstGeom prst="roundRect">
+                <a:avLst>
+                  <a:gd name="adj" fmla="val 24699"/>
+                </a:avLst>
+              </a:prstGeom>
+              <a:noFill/>
+              <a:ln w="9525">
+                <a:solidFill>
+                  <a:schemeClr val="bg1"/>
+                </a:solidFill>
+              </a:ln>
+            </p:spPr>
+            <p:style>
+              <a:lnRef idx="2">
+                <a:schemeClr val="accent1">
+                  <a:shade val="50000"/>
+                </a:schemeClr>
+              </a:lnRef>
+              <a:fillRef idx="1">
+                <a:schemeClr val="accent1"/>
+              </a:fillRef>
+              <a:effectRef idx="0">
+                <a:schemeClr val="accent1"/>
+              </a:effectRef>
+              <a:fontRef idx="minor">
+                <a:schemeClr val="lt1"/>
+              </a:fontRef>
+            </p:style>
+            <p:txBody>
+              <a:bodyPr rtlCol="0" anchor="t"/>
+              <a:lstStyle/>
+              <a:p>
+                <a:r>
+                  <a:rPr lang="de-DE" sz="1600" dirty="0" smtClean="0">
+                    <a:solidFill>
+                      <a:schemeClr val="bg1"/>
+                    </a:solidFill>
+                    <a:latin typeface="Fujitsu Sans" panose="020B0404060202020204" pitchFamily="34" charset="0"/>
+                  </a:rPr>
+                  <a:t>Service A</a:t>
+                </a:r>
+                <a:endParaRPr lang="en-US" sz="1600" dirty="0">
+                  <a:solidFill>
+                    <a:schemeClr val="bg1"/>
+                  </a:solidFill>
+                  <a:latin typeface="Fujitsu Sans" panose="020B0404060202020204" pitchFamily="34" charset="0"/>
+                </a:endParaRPr>
+              </a:p>
+            </p:txBody>
+          </p:sp>
+          <p:sp>
+            <p:nvSpPr>
+              <p:cNvPr id="23" name="Rounded Rectangle 22"/>
+              <p:cNvSpPr/>
+              <p:nvPr/>
+            </p:nvSpPr>
+            <p:spPr bwMode="gray">
+              <a:xfrm>
+                <a:off x="3347864" y="2566627"/>
+                <a:ext cx="1670767" cy="934381"/>
+              </a:xfrm>
+              <a:prstGeom prst="roundRect">
+                <a:avLst/>
+              </a:prstGeom>
+              <a:solidFill>
+                <a:srgbClr val="7E7D76"/>
+              </a:solidFill>
+              <a:ln w="9525" cap="flat" cmpd="sng" algn="ctr">
+                <a:solidFill>
+                  <a:schemeClr val="accent3"/>
+                </a:solidFill>
+                <a:prstDash val="solid"/>
+                <a:round/>
+                <a:headEnd type="none" w="med" len="med"/>
+                <a:tailEnd type="none" w="med" len="med"/>
+              </a:ln>
+              <a:effectLst>
+                <a:outerShdw dist="53882" dir="2700000" algn="ctr" rotWithShape="0">
+                  <a:schemeClr val="bg2">
+                    <a:alpha val="50000"/>
+                  </a:schemeClr>
+                </a:outerShdw>
+              </a:effectLst>
+              <a:extLst/>
+            </p:spPr>
+            <p:txBody>
+              <a:bodyPr vert="horz" wrap="none" lIns="91440" tIns="45720" rIns="91440" bIns="45720" numCol="1" rtlCol="0" anchor="ctr" anchorCtr="0" compatLnSpc="1">
+                <a:prstTxWarp prst="textNoShape">
+                  <a:avLst/>
+                </a:prstTxWarp>
+              </a:bodyPr>
+              <a:lstStyle/>
+              <a:p>
+                <a:endParaRPr lang="en-US" sz="1100" dirty="0">
+                  <a:solidFill>
+                    <a:schemeClr val="bg1"/>
+                  </a:solidFill>
+                  <a:latin typeface="Fujitsu Sans" panose="020B0404060202020204" pitchFamily="34" charset="0"/>
+                </a:endParaRPr>
+              </a:p>
+            </p:txBody>
+          </p:sp>
+          <p:sp>
+            <p:nvSpPr>
+              <p:cNvPr id="24" name="Rounded Rectangle 23"/>
+              <p:cNvSpPr/>
+              <p:nvPr/>
+            </p:nvSpPr>
+            <p:spPr>
+              <a:xfrm>
+                <a:off x="3635896" y="2636912"/>
+                <a:ext cx="1070509" cy="317372"/>
+              </a:xfrm>
+              <a:prstGeom prst="roundRect">
+                <a:avLst>
+                  <a:gd name="adj" fmla="val 24699"/>
+                </a:avLst>
+              </a:prstGeom>
+              <a:noFill/>
+              <a:ln w="9525">
+                <a:solidFill>
+                  <a:schemeClr val="bg1"/>
+                </a:solidFill>
+              </a:ln>
+            </p:spPr>
+            <p:style>
+              <a:lnRef idx="2">
+                <a:schemeClr val="accent1">
+                  <a:shade val="50000"/>
+                </a:schemeClr>
+              </a:lnRef>
+              <a:fillRef idx="1">
+                <a:schemeClr val="accent1"/>
+              </a:fillRef>
+              <a:effectRef idx="0">
+                <a:schemeClr val="accent1"/>
+              </a:effectRef>
+              <a:fontRef idx="minor">
+                <a:schemeClr val="lt1"/>
+              </a:fontRef>
+            </p:style>
+            <p:txBody>
+              <a:bodyPr rtlCol="0" anchor="t"/>
+              <a:lstStyle/>
+              <a:p>
+                <a:r>
+                  <a:rPr lang="de-DE" sz="1600" dirty="0" smtClean="0">
+                    <a:solidFill>
+                      <a:schemeClr val="bg1"/>
+                    </a:solidFill>
+                    <a:latin typeface="Fujitsu Sans" panose="020B0404060202020204" pitchFamily="34" charset="0"/>
+                  </a:rPr>
+                  <a:t>Service B</a:t>
+                </a:r>
+                <a:endParaRPr lang="en-US" sz="1600" dirty="0">
+                  <a:solidFill>
+                    <a:schemeClr val="bg1"/>
+                  </a:solidFill>
+                  <a:latin typeface="Fujitsu Sans" panose="020B0404060202020204" pitchFamily="34" charset="0"/>
+                </a:endParaRPr>
+              </a:p>
+            </p:txBody>
+          </p:sp>
+          <p:sp>
+            <p:nvSpPr>
+              <p:cNvPr id="25" name="Rounded Rectangle 24"/>
+              <p:cNvSpPr/>
+              <p:nvPr/>
+            </p:nvSpPr>
+            <p:spPr>
+              <a:xfrm>
+                <a:off x="3419872" y="3084885"/>
+                <a:ext cx="471553" cy="344115"/>
+              </a:xfrm>
+              <a:prstGeom prst="roundRect">
+                <a:avLst>
+                  <a:gd name="adj" fmla="val 24699"/>
+                </a:avLst>
+              </a:prstGeom>
+              <a:noFill/>
+              <a:ln w="9525">
+                <a:solidFill>
+                  <a:schemeClr val="bg1"/>
+                </a:solidFill>
+              </a:ln>
+            </p:spPr>
+            <p:style>
+              <a:lnRef idx="2">
+                <a:schemeClr val="accent1">
+                  <a:shade val="50000"/>
+                </a:schemeClr>
+              </a:lnRef>
+              <a:fillRef idx="1">
+                <a:schemeClr val="accent1"/>
+              </a:fillRef>
+              <a:effectRef idx="0">
+                <a:schemeClr val="accent1"/>
+              </a:effectRef>
+              <a:fontRef idx="minor">
+                <a:schemeClr val="lt1"/>
+              </a:fontRef>
+            </p:style>
+            <p:txBody>
+              <a:bodyPr rtlCol="0" anchor="t"/>
+              <a:lstStyle/>
+              <a:p>
+                <a:r>
+                  <a:rPr lang="de-DE" sz="1600" dirty="0" smtClean="0">
+                    <a:solidFill>
+                      <a:schemeClr val="bg1"/>
+                    </a:solidFill>
+                    <a:latin typeface="Fujitsu Sans" panose="020B0404060202020204" pitchFamily="34" charset="0"/>
+                  </a:rPr>
+                  <a:t>VM</a:t>
+                </a:r>
+                <a:endParaRPr lang="en-US" sz="1600" dirty="0">
+                  <a:solidFill>
+                    <a:schemeClr val="bg1"/>
+                  </a:solidFill>
+                  <a:latin typeface="Fujitsu Sans" panose="020B0404060202020204" pitchFamily="34" charset="0"/>
+                </a:endParaRPr>
+              </a:p>
+            </p:txBody>
+          </p:sp>
+          <p:sp>
+            <p:nvSpPr>
+              <p:cNvPr id="26" name="Rounded Rectangle 25"/>
+              <p:cNvSpPr/>
+              <p:nvPr/>
+            </p:nvSpPr>
+            <p:spPr>
+              <a:xfrm>
+                <a:off x="3956431" y="3084885"/>
+                <a:ext cx="471553" cy="344115"/>
+              </a:xfrm>
+              <a:prstGeom prst="roundRect">
+                <a:avLst>
+                  <a:gd name="adj" fmla="val 24699"/>
+                </a:avLst>
+              </a:prstGeom>
+              <a:noFill/>
+              <a:ln w="9525">
+                <a:solidFill>
+                  <a:schemeClr val="bg1"/>
+                </a:solidFill>
+              </a:ln>
+            </p:spPr>
+            <p:style>
+              <a:lnRef idx="2">
+                <a:schemeClr val="accent1">
+                  <a:shade val="50000"/>
+                </a:schemeClr>
+              </a:lnRef>
+              <a:fillRef idx="1">
+                <a:schemeClr val="accent1"/>
+              </a:fillRef>
+              <a:effectRef idx="0">
+                <a:schemeClr val="accent1"/>
+              </a:effectRef>
+              <a:fontRef idx="minor">
+                <a:schemeClr val="lt1"/>
+              </a:fontRef>
+            </p:style>
+            <p:txBody>
+              <a:bodyPr rtlCol="0" anchor="t"/>
+              <a:lstStyle/>
+              <a:p>
+                <a:r>
+                  <a:rPr lang="de-DE" sz="1600" dirty="0" smtClean="0">
+                    <a:solidFill>
+                      <a:schemeClr val="bg1"/>
+                    </a:solidFill>
+                    <a:latin typeface="Fujitsu Sans" panose="020B0404060202020204" pitchFamily="34" charset="0"/>
+                  </a:rPr>
+                  <a:t>AP</a:t>
+                </a:r>
+                <a:endParaRPr lang="en-US" sz="1600" dirty="0">
+                  <a:solidFill>
+                    <a:schemeClr val="bg1"/>
+                  </a:solidFill>
+                  <a:latin typeface="Fujitsu Sans" panose="020B0404060202020204" pitchFamily="34" charset="0"/>
+                </a:endParaRPr>
+              </a:p>
+            </p:txBody>
+          </p:sp>
+          <p:sp>
+            <p:nvSpPr>
+              <p:cNvPr id="27" name="Rounded Rectangle 26"/>
+              <p:cNvSpPr/>
+              <p:nvPr/>
+            </p:nvSpPr>
+            <p:spPr>
+              <a:xfrm>
+                <a:off x="4499992" y="3084885"/>
+                <a:ext cx="471553" cy="344115"/>
+              </a:xfrm>
+              <a:prstGeom prst="roundRect">
+                <a:avLst>
+                  <a:gd name="adj" fmla="val 24699"/>
+                </a:avLst>
+              </a:prstGeom>
+              <a:noFill/>
+              <a:ln w="9525">
+                <a:solidFill>
+                  <a:schemeClr val="bg1"/>
+                </a:solidFill>
+              </a:ln>
+            </p:spPr>
+            <p:style>
+              <a:lnRef idx="2">
+                <a:schemeClr val="accent1">
+                  <a:shade val="50000"/>
+                </a:schemeClr>
+              </a:lnRef>
+              <a:fillRef idx="1">
+                <a:schemeClr val="accent1"/>
+              </a:fillRef>
+              <a:effectRef idx="0">
+                <a:schemeClr val="accent1"/>
+              </a:effectRef>
+              <a:fontRef idx="minor">
+                <a:schemeClr val="lt1"/>
+              </a:fontRef>
+            </p:style>
+            <p:txBody>
+              <a:bodyPr rtlCol="0" anchor="t"/>
+              <a:lstStyle/>
+              <a:p>
+                <a:r>
+                  <a:rPr lang="de-DE" sz="1600" dirty="0" smtClean="0">
+                    <a:solidFill>
+                      <a:schemeClr val="bg1"/>
+                    </a:solidFill>
+                    <a:latin typeface="Fujitsu Sans" panose="020B0404060202020204" pitchFamily="34" charset="0"/>
+                  </a:rPr>
+                  <a:t>AP</a:t>
+                </a:r>
+                <a:endParaRPr lang="en-US" sz="1600" dirty="0">
+                  <a:solidFill>
+                    <a:schemeClr val="bg1"/>
+                  </a:solidFill>
+                  <a:latin typeface="Fujitsu Sans" panose="020B0404060202020204" pitchFamily="34" charset="0"/>
+                </a:endParaRPr>
+              </a:p>
+            </p:txBody>
+          </p:sp>
+          <p:cxnSp>
+            <p:nvCxnSpPr>
+              <p:cNvPr id="28" name="Elbow Connector 4"/>
+              <p:cNvCxnSpPr/>
+              <p:nvPr/>
+            </p:nvCxnSpPr>
+            <p:spPr bwMode="auto">
+              <a:xfrm rot="5400000" flipH="1" flipV="1">
+                <a:off x="3279382" y="5225675"/>
+                <a:ext cx="863396" cy="6351"/>
+              </a:xfrm>
+              <a:prstGeom prst="curvedConnector3">
+                <a:avLst>
+                  <a:gd name="adj1" fmla="val 50000"/>
+                </a:avLst>
+              </a:prstGeom>
+              <a:gradFill rotWithShape="0">
+                <a:gsLst>
+                  <a:gs pos="0">
+                    <a:srgbClr val="FFFFFF"/>
+                  </a:gs>
+                  <a:gs pos="100000">
+                    <a:srgbClr val="CACAC7"/>
+                  </a:gs>
+                </a:gsLst>
+                <a:lin ang="5400000" scaled="1"/>
+              </a:gradFill>
+              <a:ln w="19050" cap="flat" cmpd="sng" algn="ctr">
+                <a:solidFill>
+                  <a:srgbClr val="57564F"/>
+                </a:solidFill>
+                <a:prstDash val="solid"/>
+                <a:round/>
+                <a:headEnd type="none" w="med" len="med"/>
+                <a:tailEnd type="triangle" w="med" len="med"/>
+              </a:ln>
+              <a:effectLst/>
+              <a:extLst>
+                <a:ext uri="{AF507438-7753-43E0-B8FC-AC1667EBCBE1}">
+                  <a14:hiddenEffects xmlns:a14="http://schemas.microsoft.com/office/drawing/2010/main">
+                    <a:effectLst>
+                      <a:outerShdw dist="53882" dir="2700000" algn="ctr" rotWithShape="0">
+                        <a:schemeClr val="bg2">
+                          <a:alpha val="50000"/>
+                        </a:schemeClr>
+                      </a:outerShdw>
+                    </a:effectLst>
+                  </a14:hiddenEffects>
+                </a:ext>
+              </a:extLst>
+            </p:spPr>
+          </p:cxnSp>
+          <p:pic>
+            <p:nvPicPr>
+              <p:cNvPr id="30" name="Picture 2" descr="D:\11FDL\20151113ServerView_Cloud_Monitoring_Manager\02作成\ddl_download\8699_0014.png"/>
+              <p:cNvPicPr>
+                <a:picLocks noChangeAspect="1" noChangeArrowheads="1"/>
+              </p:cNvPicPr>
+              <p:nvPr/>
+            </p:nvPicPr>
+            <p:blipFill>
+              <a:blip r:embed="rId2" cstate="print">
+                <a:extLst>
+                  <a:ext uri="{28A0092B-C50C-407E-A947-70E740481C1C}">
+                    <a14:useLocalDpi xmlns:a14="http://schemas.microsoft.com/office/drawing/2010/main" val="0"/>
+                  </a:ext>
+                </a:extLst>
+              </a:blip>
+              <a:srcRect/>
+              <a:stretch>
+                <a:fillRect/>
+              </a:stretch>
+            </p:blipFill>
+            <p:spPr bwMode="auto">
+              <a:xfrm>
+                <a:off x="1403649" y="2122773"/>
+                <a:ext cx="720079" cy="505226"/>
+              </a:xfrm>
+              <a:prstGeom prst="rect">
+                <a:avLst/>
+              </a:prstGeom>
+              <a:noFill/>
+              <a:extLst>
+                <a:ext uri="{909E8E84-426E-40DD-AFC4-6F175D3DCCD1}">
+                  <a14:hiddenFill xmlns:a14="http://schemas.microsoft.com/office/drawing/2010/main">
+                    <a:solidFill>
+                      <a:srgbClr val="FFFFFF"/>
+                    </a:solidFill>
+                  </a14:hiddenFill>
+                </a:ext>
+              </a:extLst>
+            </p:spPr>
+          </p:pic>
+          <p:pic>
+            <p:nvPicPr>
+              <p:cNvPr id="31" name="Picture 2" descr="D:\11FDL\20151113ServerView_Cloud_Monitoring_Manager\02作成\ddl_download\8699_0014.png"/>
+              <p:cNvPicPr>
+                <a:picLocks noChangeAspect="1" noChangeArrowheads="1"/>
+              </p:cNvPicPr>
+              <p:nvPr/>
+            </p:nvPicPr>
+            <p:blipFill>
+              <a:blip r:embed="rId2" cstate="print">
+                <a:extLst>
+                  <a:ext uri="{28A0092B-C50C-407E-A947-70E740481C1C}">
+                    <a14:useLocalDpi xmlns:a14="http://schemas.microsoft.com/office/drawing/2010/main" val="0"/>
+                  </a:ext>
+                </a:extLst>
+              </a:blip>
+              <a:srcRect/>
+              <a:stretch>
+                <a:fillRect/>
+              </a:stretch>
+            </p:blipFill>
+            <p:spPr bwMode="auto">
+              <a:xfrm>
+                <a:off x="7380312" y="2131686"/>
+                <a:ext cx="720079" cy="505226"/>
+              </a:xfrm>
+              <a:prstGeom prst="rect">
+                <a:avLst/>
+              </a:prstGeom>
+              <a:noFill/>
+              <a:ln>
+                <a:noFill/>
+              </a:ln>
+              <a:effectLst/>
+              <a:extLst>
+                <a:ext uri="{909E8E84-426E-40DD-AFC4-6F175D3DCCD1}">
+                  <a14:hiddenFill xmlns:a14="http://schemas.microsoft.com/office/drawing/2010/main">
+                    <a:solidFill>
+                      <a:srgbClr val="FFFFFF"/>
+                    </a:solidFill>
+                  </a14:hiddenFill>
+                </a:ext>
+                <a:ext uri="{91240B29-F687-4F45-9708-019B960494DF}">
+                  <a14:hiddenLine xmlns:a14="http://schemas.microsoft.com/office/drawing/2010/main" w="9525">
+                    <a:solidFill>
+                      <a:schemeClr val="tx1"/>
+                    </a:solidFill>
+                    <a:miter lim="800000"/>
+                    <a:headEnd/>
+                    <a:tailEnd/>
+                  </a14:hiddenLine>
+                </a:ext>
+                <a:ext uri="{AF507438-7753-43E0-B8FC-AC1667EBCBE1}">
+                  <a14:hiddenEffects xmlns:a14="http://schemas.microsoft.com/office/drawing/2010/main">
+                    <a:effectLst>
+                      <a:outerShdw dist="35921" dir="2700000" algn="ctr" rotWithShape="0">
+                        <a:schemeClr val="bg2"/>
+                      </a:outerShdw>
+                    </a:effectLst>
+                  </a14:hiddenEffects>
+                </a:ext>
+              </a:extLst>
+            </p:spPr>
+          </p:pic>
+          <p:sp>
+            <p:nvSpPr>
+              <p:cNvPr id="32" name="Rectangle 31"/>
+              <p:cNvSpPr/>
+              <p:nvPr/>
+            </p:nvSpPr>
+            <p:spPr>
+              <a:xfrm>
+                <a:off x="3243553" y="1187460"/>
+                <a:ext cx="822661" cy="338554"/>
+              </a:xfrm>
+              <a:prstGeom prst="rect">
+                <a:avLst/>
+              </a:prstGeom>
+            </p:spPr>
+            <p:txBody>
+              <a:bodyPr wrap="none">
+                <a:spAutoFit/>
+              </a:bodyPr>
+              <a:lstStyle/>
+              <a:p>
+                <a:pPr algn="l"/>
+                <a:r>
+                  <a:rPr lang="de-DE" sz="1600" dirty="0">
+                    <a:latin typeface="Fujitsu Sans" panose="020B0404060202020204" pitchFamily="34" charset="0"/>
+                  </a:rPr>
+                  <a:t>Monitoring</a:t>
+                </a:r>
+                <a:endParaRPr lang="en-US" sz="1600" dirty="0">
+                  <a:latin typeface="Fujitsu Sans" panose="020B0404060202020204" pitchFamily="34" charset="0"/>
+                </a:endParaRPr>
+              </a:p>
+            </p:txBody>
+          </p:sp>
+          <p:pic>
+            <p:nvPicPr>
+              <p:cNvPr id="33" name="Picture 2" descr="D:\11FDL\20151113ServerView_Cloud_Monitoring_Manager\02作成\ddl_download\8699_0014.png"/>
+              <p:cNvPicPr>
+                <a:picLocks noChangeAspect="1" noChangeArrowheads="1"/>
+              </p:cNvPicPr>
+              <p:nvPr/>
+            </p:nvPicPr>
+            <p:blipFill>
+              <a:blip r:embed="rId2" cstate="print">
+                <a:extLst>
+                  <a:ext uri="{28A0092B-C50C-407E-A947-70E740481C1C}">
+                    <a14:useLocalDpi xmlns:a14="http://schemas.microsoft.com/office/drawing/2010/main" val="0"/>
+                  </a:ext>
+                </a:extLst>
+              </a:blip>
+              <a:srcRect/>
+              <a:stretch>
+                <a:fillRect/>
+              </a:stretch>
+            </p:blipFill>
+            <p:spPr bwMode="auto">
+              <a:xfrm>
+                <a:off x="3203849" y="5733256"/>
+                <a:ext cx="720079" cy="505226"/>
+              </a:xfrm>
+              <a:prstGeom prst="rect">
+                <a:avLst/>
+              </a:prstGeom>
+              <a:noFill/>
+              <a:ln>
+                <a:noFill/>
+              </a:ln>
+              <a:effectLst/>
+              <a:extLst>
+                <a:ext uri="{909E8E84-426E-40DD-AFC4-6F175D3DCCD1}">
+                  <a14:hiddenFill xmlns:a14="http://schemas.microsoft.com/office/drawing/2010/main">
+                    <a:solidFill>
+                      <a:srgbClr val="FFFFFF"/>
+                    </a:solidFill>
+                  </a14:hiddenFill>
+                </a:ext>
+                <a:ext uri="{91240B29-F687-4F45-9708-019B960494DF}">
+                  <a14:hiddenLine xmlns:a14="http://schemas.microsoft.com/office/drawing/2010/main" w="9525">
+                    <a:solidFill>
+                      <a:schemeClr val="tx1"/>
+                    </a:solidFill>
+                    <a:miter lim="800000"/>
+                    <a:headEnd/>
+                    <a:tailEnd/>
+                  </a14:hiddenLine>
+                </a:ext>
+                <a:ext uri="{AF507438-7753-43E0-B8FC-AC1667EBCBE1}">
+                  <a14:hiddenEffects xmlns:a14="http://schemas.microsoft.com/office/drawing/2010/main">
+                    <a:effectLst>
+                      <a:outerShdw dist="35921" dir="2700000" algn="ctr" rotWithShape="0">
+                        <a:schemeClr val="bg2"/>
+                      </a:outerShdw>
+                    </a:effectLst>
+                  </a14:hiddenEffects>
+                </a:ext>
+              </a:extLst>
+            </p:spPr>
+          </p:pic>
+          <p:pic>
+            <p:nvPicPr>
+              <p:cNvPr id="34" name="Picture 2" descr="D:\11FDL\20151113ServerView_Cloud_Monitoring_Manager\02作成\ddl_download\8699_0014.png"/>
+              <p:cNvPicPr>
+                <a:picLocks noChangeAspect="1" noChangeArrowheads="1"/>
+              </p:cNvPicPr>
+              <p:nvPr/>
+            </p:nvPicPr>
+            <p:blipFill>
+              <a:blip r:embed="rId2" cstate="print">
+                <a:extLst>
+                  <a:ext uri="{28A0092B-C50C-407E-A947-70E740481C1C}">
+                    <a14:useLocalDpi xmlns:a14="http://schemas.microsoft.com/office/drawing/2010/main" val="0"/>
+                  </a:ext>
+                </a:extLst>
+              </a:blip>
+              <a:srcRect/>
+              <a:stretch>
+                <a:fillRect/>
+              </a:stretch>
+            </p:blipFill>
+            <p:spPr bwMode="auto">
+              <a:xfrm>
+                <a:off x="4427985" y="5733256"/>
+                <a:ext cx="720079" cy="505226"/>
+              </a:xfrm>
+              <a:prstGeom prst="rect">
+                <a:avLst/>
+              </a:prstGeom>
+              <a:noFill/>
+              <a:ln>
+                <a:noFill/>
+              </a:ln>
+              <a:effectLst/>
+              <a:extLst>
+                <a:ext uri="{909E8E84-426E-40DD-AFC4-6F175D3DCCD1}">
+                  <a14:hiddenFill xmlns:a14="http://schemas.microsoft.com/office/drawing/2010/main">
+                    <a:solidFill>
+                      <a:srgbClr val="FFFFFF"/>
+                    </a:solidFill>
+                  </a14:hiddenFill>
+                </a:ext>
+                <a:ext uri="{91240B29-F687-4F45-9708-019B960494DF}">
+                  <a14:hiddenLine xmlns:a14="http://schemas.microsoft.com/office/drawing/2010/main" w="9525">
+                    <a:solidFill>
+                      <a:schemeClr val="tx1"/>
+                    </a:solidFill>
+                    <a:miter lim="800000"/>
+                    <a:headEnd/>
+                    <a:tailEnd/>
+                  </a14:hiddenLine>
+                </a:ext>
+                <a:ext uri="{AF507438-7753-43E0-B8FC-AC1667EBCBE1}">
+                  <a14:hiddenEffects xmlns:a14="http://schemas.microsoft.com/office/drawing/2010/main">
+                    <a:effectLst>
+                      <a:outerShdw dist="35921" dir="2700000" algn="ctr" rotWithShape="0">
+                        <a:schemeClr val="bg2"/>
+                      </a:outerShdw>
+                    </a:effectLst>
+                  </a14:hiddenEffects>
+                </a:ext>
+              </a:extLst>
+            </p:spPr>
+          </p:pic>
+          <p:sp>
+            <p:nvSpPr>
+              <p:cNvPr id="35" name="TextBox 34"/>
+              <p:cNvSpPr txBox="1"/>
+              <p:nvPr/>
+            </p:nvSpPr>
+            <p:spPr>
+              <a:xfrm>
+                <a:off x="1971326" y="1614379"/>
+                <a:ext cx="944490" cy="374461"/>
+              </a:xfrm>
+              <a:prstGeom prst="rect">
+                <a:avLst/>
+              </a:prstGeom>
+              <a:noFill/>
+            </p:spPr>
+            <p:txBody>
+              <a:bodyPr wrap="none" rtlCol="0">
+                <a:spAutoFit/>
+              </a:bodyPr>
+              <a:lstStyle/>
+              <a:p>
+                <a:pPr>
+                  <a:lnSpc>
+                    <a:spcPts val="1080"/>
+                  </a:lnSpc>
+                </a:pPr>
+                <a:r>
+                  <a:rPr lang="en-US" sz="1400" dirty="0" smtClean="0">
+                    <a:latin typeface="Fujitsu Sans" panose="020B0404060202020204" pitchFamily="34" charset="0"/>
+                  </a:rPr>
+                  <a:t>       Uses</a:t>
+                </a:r>
+                <a:br>
+                  <a:rPr lang="en-US" sz="1400" dirty="0" smtClean="0">
+                    <a:latin typeface="Fujitsu Sans" panose="020B0404060202020204" pitchFamily="34" charset="0"/>
+                  </a:rPr>
+                </a:br>
+                <a:r>
+                  <a:rPr lang="en-US" sz="1400" dirty="0" smtClean="0">
+                    <a:latin typeface="Fujitsu Sans" panose="020B0404060202020204" pitchFamily="34" charset="0"/>
+                  </a:rPr>
+                  <a:t>       Service A</a:t>
+                </a:r>
+                <a:endParaRPr lang="en-US" sz="1400" dirty="0">
+                  <a:latin typeface="Fujitsu Sans" panose="020B0404060202020204" pitchFamily="34" charset="0"/>
+                </a:endParaRPr>
+              </a:p>
+            </p:txBody>
+          </p:sp>
+          <p:sp>
+            <p:nvSpPr>
+              <p:cNvPr id="36" name="TextBox 35"/>
+              <p:cNvSpPr txBox="1"/>
+              <p:nvPr/>
+            </p:nvSpPr>
+            <p:spPr>
+              <a:xfrm>
+                <a:off x="1978875" y="2736979"/>
+                <a:ext cx="912429" cy="374461"/>
+              </a:xfrm>
+              <a:prstGeom prst="rect">
+                <a:avLst/>
+              </a:prstGeom>
+              <a:noFill/>
+            </p:spPr>
+            <p:txBody>
+              <a:bodyPr wrap="none" rtlCol="0">
+                <a:spAutoFit/>
+              </a:bodyPr>
+              <a:lstStyle/>
+              <a:p>
+                <a:pPr>
+                  <a:lnSpc>
+                    <a:spcPts val="1080"/>
+                  </a:lnSpc>
+                </a:pPr>
+                <a:r>
+                  <a:rPr lang="en-US" sz="1400" dirty="0" smtClean="0">
+                    <a:latin typeface="Fujitsu Sans" panose="020B0404060202020204" pitchFamily="34" charset="0"/>
+                  </a:rPr>
+                  <a:t>       Uses</a:t>
+                </a:r>
+                <a:br>
+                  <a:rPr lang="en-US" sz="1400" dirty="0" smtClean="0">
+                    <a:latin typeface="Fujitsu Sans" panose="020B0404060202020204" pitchFamily="34" charset="0"/>
+                  </a:rPr>
+                </a:br>
+                <a:r>
+                  <a:rPr lang="en-US" sz="1400" dirty="0" smtClean="0">
+                    <a:latin typeface="Fujitsu Sans" panose="020B0404060202020204" pitchFamily="34" charset="0"/>
+                  </a:rPr>
+                  <a:t>       Service B</a:t>
+                </a:r>
+                <a:endParaRPr lang="en-US" sz="1400" dirty="0">
+                  <a:latin typeface="Fujitsu Sans" panose="020B0404060202020204" pitchFamily="34" charset="0"/>
+                </a:endParaRPr>
+              </a:p>
+            </p:txBody>
+          </p:sp>
+          <p:sp>
+            <p:nvSpPr>
+              <p:cNvPr id="37" name="TextBox 36"/>
+              <p:cNvSpPr txBox="1"/>
+              <p:nvPr/>
+            </p:nvSpPr>
+            <p:spPr>
+              <a:xfrm>
+                <a:off x="7524328" y="2730406"/>
+                <a:ext cx="723275" cy="338554"/>
+              </a:xfrm>
+              <a:prstGeom prst="rect">
+                <a:avLst/>
+              </a:prstGeom>
+              <a:noFill/>
+            </p:spPr>
+            <p:txBody>
+              <a:bodyPr wrap="none" rtlCol="0">
+                <a:spAutoFit/>
+              </a:bodyPr>
+              <a:lstStyle/>
+              <a:p>
+                <a:r>
+                  <a:rPr lang="en-US" sz="1600" dirty="0" smtClean="0">
+                    <a:latin typeface="Fujitsu Sans" panose="020B0404060202020204" pitchFamily="34" charset="0"/>
+                  </a:rPr>
+                  <a:t>Operator</a:t>
+                </a:r>
+              </a:p>
+            </p:txBody>
+          </p:sp>
+          <p:sp>
+            <p:nvSpPr>
+              <p:cNvPr id="38" name="TextBox 37"/>
+              <p:cNvSpPr txBox="1"/>
+              <p:nvPr/>
+            </p:nvSpPr>
+            <p:spPr>
+              <a:xfrm>
+                <a:off x="5657382" y="2295862"/>
+                <a:ext cx="1982546" cy="374461"/>
+              </a:xfrm>
+              <a:prstGeom prst="rect">
+                <a:avLst/>
+              </a:prstGeom>
+              <a:noFill/>
+            </p:spPr>
+            <p:txBody>
+              <a:bodyPr wrap="square" rtlCol="0">
+                <a:spAutoFit/>
+              </a:bodyPr>
+              <a:lstStyle/>
+              <a:p>
+                <a:pPr>
+                  <a:lnSpc>
+                    <a:spcPts val="1080"/>
+                  </a:lnSpc>
+                </a:pPr>
+                <a:r>
+                  <a:rPr lang="en-US" sz="1400" dirty="0" smtClean="0">
+                    <a:latin typeface="Fujitsu Sans" panose="020B0404060202020204" pitchFamily="34" charset="0"/>
+                  </a:rPr>
+                  <a:t>Monitors the</a:t>
+                </a:r>
+                <a:endParaRPr lang="en-US" sz="1400" dirty="0">
+                  <a:latin typeface="Fujitsu Sans" panose="020B0404060202020204" pitchFamily="34" charset="0"/>
+                </a:endParaRPr>
+              </a:p>
+              <a:p>
+                <a:pPr>
+                  <a:lnSpc>
+                    <a:spcPts val="1080"/>
+                  </a:lnSpc>
+                </a:pPr>
+                <a:r>
+                  <a:rPr lang="en-US" sz="1400" dirty="0" smtClean="0">
+                    <a:latin typeface="Fujitsu Sans" panose="020B0404060202020204" pitchFamily="34" charset="0"/>
+                  </a:rPr>
+                  <a:t>Monitoring </a:t>
+                </a:r>
+                <a:r>
+                  <a:rPr lang="en-US" sz="1400" dirty="0" smtClean="0">
+                    <a:latin typeface="Fujitsu Sans" panose="020B0404060202020204" pitchFamily="34" charset="0"/>
+                  </a:rPr>
+                  <a:t>Service itself</a:t>
+                </a:r>
+                <a:endParaRPr lang="en-US" sz="1400" dirty="0">
+                  <a:latin typeface="Fujitsu Sans" panose="020B0404060202020204" pitchFamily="34" charset="0"/>
+                </a:endParaRPr>
+              </a:p>
+            </p:txBody>
+          </p:sp>
+          <p:sp>
+            <p:nvSpPr>
+              <p:cNvPr id="39" name="TextBox 38"/>
+              <p:cNvSpPr txBox="1"/>
+              <p:nvPr/>
+            </p:nvSpPr>
+            <p:spPr>
+              <a:xfrm>
+                <a:off x="5644511" y="2636912"/>
+                <a:ext cx="1780692" cy="374461"/>
+              </a:xfrm>
+              <a:prstGeom prst="rect">
+                <a:avLst/>
+              </a:prstGeom>
+              <a:noFill/>
+            </p:spPr>
+            <p:txBody>
+              <a:bodyPr wrap="square" rtlCol="0">
+                <a:spAutoFit/>
+              </a:bodyPr>
+              <a:lstStyle/>
+              <a:p>
+                <a:pPr>
+                  <a:lnSpc>
+                    <a:spcPts val="1080"/>
+                  </a:lnSpc>
+                </a:pPr>
+                <a:r>
+                  <a:rPr lang="en-US" sz="1400" dirty="0" smtClean="0">
+                    <a:latin typeface="Fujitsu Sans" panose="020B0404060202020204" pitchFamily="34" charset="0"/>
+                  </a:rPr>
+                  <a:t>Collects </a:t>
+                </a:r>
+                <a:r>
+                  <a:rPr lang="en-US" sz="1400" dirty="0" smtClean="0">
+                    <a:latin typeface="Fujitsu Sans" panose="020B0404060202020204" pitchFamily="34" charset="0"/>
+                  </a:rPr>
+                  <a:t>and </a:t>
+                </a:r>
+                <a:r>
+                  <a:rPr lang="en-US" sz="1400" dirty="0" smtClean="0">
+                    <a:latin typeface="Fujitsu Sans" panose="020B0404060202020204" pitchFamily="34" charset="0"/>
+                  </a:rPr>
+                  <a:t>analyzes</a:t>
+                </a:r>
+                <a:endParaRPr lang="en-US" sz="1400" dirty="0">
+                  <a:latin typeface="Fujitsu Sans" panose="020B0404060202020204" pitchFamily="34" charset="0"/>
+                </a:endParaRPr>
+              </a:p>
+              <a:p>
+                <a:pPr>
+                  <a:lnSpc>
+                    <a:spcPts val="1080"/>
+                  </a:lnSpc>
+                </a:pPr>
+                <a:r>
+                  <a:rPr lang="en-US" sz="1400" dirty="0" smtClean="0">
+                    <a:latin typeface="Fujitsu Sans" panose="020B0404060202020204" pitchFamily="34" charset="0"/>
+                  </a:rPr>
+                  <a:t>log </a:t>
+                </a:r>
+                <a:r>
+                  <a:rPr lang="en-US" sz="1400" dirty="0" smtClean="0">
+                    <a:latin typeface="Fujitsu Sans" panose="020B0404060202020204" pitchFamily="34" charset="0"/>
+                  </a:rPr>
+                  <a:t>data on </a:t>
+                </a:r>
+                <a:r>
+                  <a:rPr lang="en-US" sz="1400" dirty="0" smtClean="0">
+                    <a:latin typeface="Fujitsu Sans" panose="020B0404060202020204" pitchFamily="34" charset="0"/>
+                  </a:rPr>
+                  <a:t>the</a:t>
+                </a:r>
+                <a:endParaRPr lang="en-US" sz="1400" dirty="0">
+                  <a:latin typeface="Fujitsu Sans" panose="020B0404060202020204" pitchFamily="34" charset="0"/>
+                </a:endParaRPr>
+              </a:p>
+            </p:txBody>
+          </p:sp>
+          <p:sp>
+            <p:nvSpPr>
+              <p:cNvPr id="40" name="TextBox 39"/>
+              <p:cNvSpPr txBox="1"/>
+              <p:nvPr/>
+            </p:nvSpPr>
+            <p:spPr>
+              <a:xfrm>
+                <a:off x="4934726" y="5221417"/>
+                <a:ext cx="3450322" cy="251992"/>
+              </a:xfrm>
+              <a:prstGeom prst="rect">
+                <a:avLst/>
+              </a:prstGeom>
+              <a:noFill/>
+            </p:spPr>
+            <p:txBody>
+              <a:bodyPr wrap="square" rtlCol="0">
+                <a:spAutoFit/>
+              </a:bodyPr>
+              <a:lstStyle/>
+              <a:p>
+                <a:pPr>
+                  <a:lnSpc>
+                    <a:spcPts val="1080"/>
+                  </a:lnSpc>
+                </a:pPr>
+                <a:r>
+                  <a:rPr lang="en-US" sz="1400" dirty="0" smtClean="0">
+                    <a:latin typeface="Fujitsu Sans" panose="020B0404060202020204" pitchFamily="34" charset="0"/>
+                  </a:rPr>
+                  <a:t>Monitors </a:t>
+                </a:r>
+                <a:r>
+                  <a:rPr lang="en-US" sz="1400" dirty="0">
+                    <a:latin typeface="Fujitsu Sans" panose="020B0404060202020204" pitchFamily="34" charset="0"/>
+                  </a:rPr>
+                  <a:t>OpenStack </a:t>
+                </a:r>
+                <a:r>
+                  <a:rPr lang="en-US" sz="1400" dirty="0" smtClean="0">
+                    <a:latin typeface="Fujitsu Sans" panose="020B0404060202020204" pitchFamily="34" charset="0"/>
+                  </a:rPr>
+                  <a:t>Nova</a:t>
+                </a:r>
+                <a:endParaRPr lang="en-US" sz="1400" dirty="0">
+                  <a:latin typeface="Fujitsu Sans" panose="020B0404060202020204" pitchFamily="34" charset="0"/>
+                </a:endParaRPr>
+              </a:p>
+            </p:txBody>
+          </p:sp>
+          <p:sp>
+            <p:nvSpPr>
+              <p:cNvPr id="42" name="TextBox 41"/>
+              <p:cNvSpPr txBox="1"/>
+              <p:nvPr/>
+            </p:nvSpPr>
+            <p:spPr>
+              <a:xfrm>
+                <a:off x="4925582" y="5364783"/>
+                <a:ext cx="3450322" cy="251992"/>
+              </a:xfrm>
+              <a:prstGeom prst="rect">
+                <a:avLst/>
+              </a:prstGeom>
+              <a:noFill/>
+            </p:spPr>
+            <p:txBody>
+              <a:bodyPr wrap="square" rtlCol="0">
+                <a:spAutoFit/>
+              </a:bodyPr>
+              <a:lstStyle/>
+              <a:p>
+                <a:pPr>
+                  <a:lnSpc>
+                    <a:spcPts val="1080"/>
+                  </a:lnSpc>
+                </a:pPr>
+                <a:r>
+                  <a:rPr lang="en-US" sz="1400" dirty="0" smtClean="0">
+                    <a:latin typeface="Fujitsu Sans" panose="020B0404060202020204" pitchFamily="34" charset="0"/>
+                  </a:rPr>
+                  <a:t>Collects </a:t>
+                </a:r>
+                <a:r>
+                  <a:rPr lang="en-US" sz="1400" dirty="0">
+                    <a:latin typeface="Fujitsu Sans" panose="020B0404060202020204" pitchFamily="34" charset="0"/>
+                  </a:rPr>
+                  <a:t>and analyzes log data on OpenStack Nova</a:t>
+                </a:r>
+              </a:p>
+            </p:txBody>
+          </p:sp>
+        </p:grpSp>
         <p:sp>
           <p:nvSpPr>
-            <p:cNvPr id="4" name="TextBox 3"/>
+            <p:cNvPr id="45" name="TextBox 44"/>
             <p:cNvSpPr txBox="1"/>
             <p:nvPr/>
           </p:nvSpPr>
           <p:spPr>
             <a:xfrm>
-              <a:off x="4290722" y="6258798"/>
-              <a:ext cx="1433406" cy="338554"/>
-            </a:xfrm>
-            <a:prstGeom prst="rect">
-              <a:avLst/>
-            </a:prstGeom>
-            <a:noFill/>
-          </p:spPr>
-          <p:txBody>
-            <a:bodyPr wrap="none" rtlCol="0">
-              <a:spAutoFit/>
-            </a:bodyPr>
-            <a:lstStyle/>
-            <a:p>
-              <a:r>
-                <a:rPr lang="de-DE" sz="1600" dirty="0" smtClean="0">
-                  <a:latin typeface="Fujitsu Sans" panose="020B0404060202020204" pitchFamily="34" charset="0"/>
-                </a:rPr>
-                <a:t>OpenStack Operator</a:t>
-              </a:r>
-              <a:endParaRPr lang="en-US" sz="1600" dirty="0" smtClean="0">
-                <a:latin typeface="Fujitsu Sans" panose="020B0404060202020204" pitchFamily="34" charset="0"/>
-              </a:endParaRPr>
-            </a:p>
-          </p:txBody>
-        </p:sp>
-        <p:sp>
-          <p:nvSpPr>
-            <p:cNvPr id="5" name="TextBox 4"/>
-            <p:cNvSpPr txBox="1"/>
-            <p:nvPr/>
-          </p:nvSpPr>
-          <p:spPr>
-            <a:xfrm>
-              <a:off x="2627784" y="6258798"/>
-              <a:ext cx="1487908" cy="338554"/>
-            </a:xfrm>
-            <a:prstGeom prst="rect">
-              <a:avLst/>
-            </a:prstGeom>
-            <a:noFill/>
-          </p:spPr>
-          <p:txBody>
-            <a:bodyPr wrap="none" rtlCol="0">
-              <a:spAutoFit/>
-            </a:bodyPr>
-            <a:lstStyle/>
-            <a:p>
-              <a:r>
-                <a:rPr lang="de-DE" sz="1600" dirty="0" err="1" smtClean="0">
-                  <a:latin typeface="Fujitsu Sans" panose="020B0404060202020204" pitchFamily="34" charset="0"/>
-                </a:rPr>
-                <a:t>Application</a:t>
-              </a:r>
-              <a:r>
-                <a:rPr lang="de-DE" sz="1600" dirty="0" smtClean="0">
-                  <a:latin typeface="Fujitsu Sans" panose="020B0404060202020204" pitchFamily="34" charset="0"/>
-                </a:rPr>
-                <a:t> Operator</a:t>
-              </a:r>
-              <a:endParaRPr lang="en-US" sz="1600" dirty="0" smtClean="0">
-                <a:latin typeface="Fujitsu Sans" panose="020B0404060202020204" pitchFamily="34" charset="0"/>
-              </a:endParaRPr>
-            </a:p>
-          </p:txBody>
-        </p:sp>
-        <p:sp>
-          <p:nvSpPr>
-            <p:cNvPr id="6" name="TextBox 5"/>
-            <p:cNvSpPr txBox="1"/>
-            <p:nvPr/>
-          </p:nvSpPr>
-          <p:spPr>
-            <a:xfrm>
-              <a:off x="2135037" y="5301208"/>
-              <a:ext cx="1572867" cy="307777"/>
-            </a:xfrm>
-            <a:prstGeom prst="rect">
-              <a:avLst/>
-            </a:prstGeom>
-            <a:noFill/>
-          </p:spPr>
-          <p:txBody>
-            <a:bodyPr wrap="none" rtlCol="0">
-              <a:spAutoFit/>
-            </a:bodyPr>
-            <a:lstStyle/>
-            <a:p>
-              <a:r>
-                <a:rPr lang="en-US" sz="1400" dirty="0" smtClean="0">
-                  <a:latin typeface="Fujitsu Sans" panose="020B0404060202020204" pitchFamily="34" charset="0"/>
-                </a:rPr>
-                <a:t>Monitors VM for Service A </a:t>
-              </a:r>
-              <a:endParaRPr lang="en-US" sz="1400" dirty="0">
-                <a:latin typeface="Fujitsu Sans" panose="020B0404060202020204" pitchFamily="34" charset="0"/>
-              </a:endParaRPr>
-            </a:p>
-          </p:txBody>
-        </p:sp>
-        <p:sp>
-          <p:nvSpPr>
-            <p:cNvPr id="7" name="TextBox 6"/>
-            <p:cNvSpPr txBox="1"/>
-            <p:nvPr/>
-          </p:nvSpPr>
-          <p:spPr>
-            <a:xfrm>
-              <a:off x="4644008" y="5229200"/>
-              <a:ext cx="2015532" cy="307777"/>
-            </a:xfrm>
-            <a:prstGeom prst="rect">
-              <a:avLst/>
-            </a:prstGeom>
-            <a:noFill/>
-          </p:spPr>
-          <p:txBody>
-            <a:bodyPr wrap="square" rtlCol="0">
-              <a:spAutoFit/>
-            </a:bodyPr>
-            <a:lstStyle/>
-            <a:p>
-              <a:r>
-                <a:rPr lang="en-US" sz="1400" dirty="0" smtClean="0">
-                  <a:latin typeface="Fujitsu Sans" panose="020B0404060202020204" pitchFamily="34" charset="0"/>
-                </a:rPr>
-                <a:t>      Monitors </a:t>
-              </a:r>
-              <a:r>
-                <a:rPr lang="en-US" sz="1400" dirty="0" smtClean="0">
-                  <a:latin typeface="Fujitsu Sans" panose="020B0404060202020204" pitchFamily="34" charset="0"/>
-                </a:rPr>
-                <a:t>OpenStack Nova</a:t>
-              </a:r>
-              <a:endParaRPr lang="en-US" sz="1400" dirty="0">
-                <a:latin typeface="Fujitsu Sans" panose="020B0404060202020204" pitchFamily="34" charset="0"/>
-              </a:endParaRPr>
-            </a:p>
-          </p:txBody>
-        </p:sp>
-        <p:sp>
-          <p:nvSpPr>
-            <p:cNvPr id="8" name="Rectangle 7"/>
-            <p:cNvSpPr/>
-            <p:nvPr/>
-          </p:nvSpPr>
-          <p:spPr bwMode="auto">
-            <a:xfrm>
-              <a:off x="3204540" y="1196752"/>
-              <a:ext cx="2108650" cy="3600400"/>
-            </a:xfrm>
-            <a:prstGeom prst="rect">
-              <a:avLst/>
-            </a:prstGeom>
-            <a:solidFill>
-              <a:srgbClr val="CACAC7"/>
-            </a:solidFill>
-            <a:ln w="6350" cap="flat" cmpd="sng" algn="ctr">
-              <a:solidFill>
-                <a:srgbClr val="57564F"/>
-              </a:solidFill>
-              <a:prstDash val="dash"/>
-              <a:round/>
-              <a:headEnd type="none" w="med" len="med"/>
-              <a:tailEnd type="none" w="med" len="med"/>
-            </a:ln>
-            <a:effectLst/>
-            <a:extLst/>
-          </p:spPr>
-          <p:txBody>
-            <a:bodyPr vert="horz" wrap="none" lIns="91440" tIns="45720" rIns="91440" bIns="45720" numCol="1" rtlCol="0" anchor="t" anchorCtr="0" compatLnSpc="1">
-              <a:prstTxWarp prst="textNoShape">
-                <a:avLst/>
-              </a:prstTxWarp>
-            </a:bodyPr>
-            <a:lstStyle/>
-            <a:p>
-              <a:pPr algn="l"/>
-              <a:endParaRPr lang="en-US" sz="1000" dirty="0">
-                <a:latin typeface="Fujitsu Sans" panose="020B0404060202020204" pitchFamily="34" charset="0"/>
-              </a:endParaRPr>
-            </a:p>
-          </p:txBody>
-        </p:sp>
-        <p:sp>
-          <p:nvSpPr>
-            <p:cNvPr id="9" name="Rounded Rectangle 8"/>
-            <p:cNvSpPr/>
-            <p:nvPr/>
-          </p:nvSpPr>
-          <p:spPr bwMode="gray">
-            <a:xfrm>
-              <a:off x="3348555" y="1484784"/>
-              <a:ext cx="1670767" cy="934381"/>
-            </a:xfrm>
-            <a:prstGeom prst="roundRect">
-              <a:avLst/>
-            </a:prstGeom>
-            <a:solidFill>
-              <a:srgbClr val="7E7D76"/>
-            </a:solidFill>
-            <a:ln w="9525" cap="flat" cmpd="sng" algn="ctr">
-              <a:solidFill>
-                <a:schemeClr val="accent3"/>
-              </a:solidFill>
-              <a:prstDash val="solid"/>
-              <a:round/>
-              <a:headEnd type="none" w="med" len="med"/>
-              <a:tailEnd type="none" w="med" len="med"/>
-            </a:ln>
-            <a:effectLst>
-              <a:outerShdw dist="53882" dir="2700000" algn="ctr" rotWithShape="0">
-                <a:schemeClr val="bg2">
-                  <a:alpha val="50000"/>
-                </a:schemeClr>
-              </a:outerShdw>
-            </a:effectLst>
-            <a:extLst/>
-          </p:spPr>
-          <p:txBody>
-            <a:bodyPr vert="horz" wrap="none" lIns="91440" tIns="45720" rIns="91440" bIns="45720" numCol="1" rtlCol="0" anchor="ctr" anchorCtr="0" compatLnSpc="1">
-              <a:prstTxWarp prst="textNoShape">
-                <a:avLst/>
-              </a:prstTxWarp>
-            </a:bodyPr>
-            <a:lstStyle/>
-            <a:p>
-              <a:endParaRPr lang="en-US" sz="1100" dirty="0">
-                <a:solidFill>
-                  <a:schemeClr val="bg1"/>
-                </a:solidFill>
-                <a:latin typeface="Fujitsu Sans" panose="020B0404060202020204" pitchFamily="34" charset="0"/>
-              </a:endParaRPr>
-            </a:p>
-          </p:txBody>
-        </p:sp>
-        <p:sp>
-          <p:nvSpPr>
-            <p:cNvPr id="10" name="TextBox 9"/>
-            <p:cNvSpPr txBox="1"/>
-            <p:nvPr/>
-          </p:nvSpPr>
-          <p:spPr>
-            <a:xfrm>
-              <a:off x="1403648" y="2594774"/>
-              <a:ext cx="745717" cy="338554"/>
-            </a:xfrm>
-            <a:prstGeom prst="rect">
-              <a:avLst/>
-            </a:prstGeom>
-            <a:noFill/>
-          </p:spPr>
-          <p:txBody>
-            <a:bodyPr wrap="none" rtlCol="0">
-              <a:spAutoFit/>
-            </a:bodyPr>
-            <a:lstStyle/>
-            <a:p>
-              <a:r>
-                <a:rPr lang="de-DE" sz="1600" dirty="0" smtClean="0">
-                  <a:latin typeface="Fujitsu Sans" panose="020B0404060202020204" pitchFamily="34" charset="0"/>
-                </a:rPr>
-                <a:t>End User</a:t>
-              </a:r>
-              <a:endParaRPr lang="en-US" sz="1600" dirty="0" smtClean="0">
-                <a:latin typeface="Fujitsu Sans" panose="020B0404060202020204" pitchFamily="34" charset="0"/>
-              </a:endParaRPr>
-            </a:p>
-          </p:txBody>
-        </p:sp>
-        <p:sp>
-          <p:nvSpPr>
-            <p:cNvPr id="11" name="TextBox 10"/>
-            <p:cNvSpPr txBox="1"/>
-            <p:nvPr/>
-          </p:nvSpPr>
-          <p:spPr>
-            <a:xfrm>
-              <a:off x="7020272" y="2594774"/>
-              <a:ext cx="1757685" cy="338554"/>
-            </a:xfrm>
-            <a:prstGeom prst="rect">
-              <a:avLst/>
-            </a:prstGeom>
-            <a:noFill/>
-          </p:spPr>
-          <p:txBody>
-            <a:bodyPr wrap="square" rtlCol="0">
-              <a:spAutoFit/>
-            </a:bodyPr>
-            <a:lstStyle/>
-            <a:p>
-              <a:r>
-                <a:rPr lang="en-US" sz="1600" dirty="0" smtClean="0">
-                  <a:latin typeface="Fujitsu Sans" panose="020B0404060202020204" pitchFamily="34" charset="0"/>
-                </a:rPr>
-                <a:t>     Monitoring </a:t>
-              </a:r>
-              <a:r>
-                <a:rPr lang="en-US" sz="1600" dirty="0" smtClean="0">
-                  <a:latin typeface="Fujitsu Sans" panose="020B0404060202020204" pitchFamily="34" charset="0"/>
-                </a:rPr>
-                <a:t>Service </a:t>
-              </a:r>
-            </a:p>
-          </p:txBody>
-        </p:sp>
-        <p:cxnSp>
-          <p:nvCxnSpPr>
-            <p:cNvPr id="12" name="Elbow Connector 4"/>
-            <p:cNvCxnSpPr/>
-            <p:nvPr/>
-          </p:nvCxnSpPr>
-          <p:spPr bwMode="auto">
-            <a:xfrm>
-              <a:off x="2267744" y="1916832"/>
-              <a:ext cx="1030669" cy="12700"/>
-            </a:xfrm>
-            <a:prstGeom prst="curvedConnector3">
-              <a:avLst>
-                <a:gd name="adj1" fmla="val 50000"/>
-              </a:avLst>
-            </a:prstGeom>
-            <a:gradFill rotWithShape="0">
-              <a:gsLst>
-                <a:gs pos="0">
-                  <a:srgbClr val="FFFFFF"/>
-                </a:gs>
-                <a:gs pos="100000">
-                  <a:srgbClr val="CACAC7"/>
-                </a:gs>
-              </a:gsLst>
-              <a:lin ang="5400000" scaled="1"/>
-            </a:gradFill>
-            <a:ln w="19050" cap="flat" cmpd="sng" algn="ctr">
-              <a:solidFill>
-                <a:srgbClr val="57564F"/>
-              </a:solidFill>
-              <a:prstDash val="solid"/>
-              <a:round/>
-              <a:headEnd type="none" w="med" len="med"/>
-              <a:tailEnd type="triangle" w="med" len="med"/>
-            </a:ln>
-            <a:effectLst/>
-            <a:extLst>
-              <a:ext uri="{AF507438-7753-43E0-B8FC-AC1667EBCBE1}">
-                <a14:hiddenEffects xmlns:a14="http://schemas.microsoft.com/office/drawing/2010/main">
-                  <a:effectLst>
-                    <a:outerShdw dist="53882" dir="2700000" algn="ctr" rotWithShape="0">
-                      <a:schemeClr val="bg2">
-                        <a:alpha val="50000"/>
-                      </a:schemeClr>
-                    </a:outerShdw>
-                  </a:effectLst>
-                </a14:hiddenEffects>
-              </a:ext>
-            </a:extLst>
-          </p:spPr>
-        </p:cxnSp>
-        <p:sp>
-          <p:nvSpPr>
-            <p:cNvPr id="13" name="Rectangle 12"/>
-            <p:cNvSpPr/>
-            <p:nvPr/>
-          </p:nvSpPr>
-          <p:spPr bwMode="auto">
-            <a:xfrm>
-              <a:off x="2844500" y="912168"/>
-              <a:ext cx="2778127" cy="4153271"/>
-            </a:xfrm>
-            <a:prstGeom prst="rect">
-              <a:avLst/>
-            </a:prstGeom>
-            <a:noFill/>
-            <a:ln w="19050">
-              <a:solidFill>
-                <a:schemeClr val="tx1"/>
-              </a:solidFill>
-              <a:prstDash val="sysDot"/>
-              <a:headEnd type="none" w="med" len="med"/>
-              <a:tailEnd type="none" w="med" len="med"/>
-            </a:ln>
-          </p:spPr>
-          <p:style>
-            <a:lnRef idx="2">
-              <a:schemeClr val="dk1"/>
-            </a:lnRef>
-            <a:fillRef idx="1">
-              <a:schemeClr val="lt1"/>
-            </a:fillRef>
-            <a:effectRef idx="0">
-              <a:schemeClr val="dk1"/>
-            </a:effectRef>
-            <a:fontRef idx="minor">
-              <a:schemeClr val="dk1"/>
-            </a:fontRef>
-          </p:style>
-          <p:txBody>
-            <a:bodyPr vert="horz" wrap="none" lIns="91440" tIns="45720" rIns="91440" bIns="45720" numCol="1" rtlCol="0" anchor="t" anchorCtr="0" compatLnSpc="1">
-              <a:prstTxWarp prst="textNoShape">
-                <a:avLst/>
-              </a:prstTxWarp>
-            </a:bodyPr>
-            <a:lstStyle/>
-            <a:p>
-              <a:pPr marL="0" marR="0" indent="0" algn="l" defTabSz="914400" rtl="0" eaLnBrk="1" fontAlgn="ctr" latinLnBrk="0" hangingPunct="1">
-                <a:lnSpc>
-                  <a:spcPct val="100000"/>
-                </a:lnSpc>
-                <a:spcBef>
-                  <a:spcPct val="0"/>
-                </a:spcBef>
-                <a:spcAft>
-                  <a:spcPct val="0"/>
-                </a:spcAft>
-                <a:buClrTx/>
-                <a:buSzTx/>
-                <a:buFontTx/>
-                <a:buNone/>
-                <a:tabLst/>
-              </a:pPr>
-              <a:r>
-                <a:rPr kumimoji="1" lang="en-US" sz="1600" b="0" i="0" u="none" strike="noStrike" cap="none" normalizeH="0" baseline="0" dirty="0" smtClean="0">
-                  <a:ln>
-                    <a:noFill/>
-                  </a:ln>
-                  <a:solidFill>
-                    <a:schemeClr val="tx1"/>
-                  </a:solidFill>
-                  <a:effectLst/>
-                  <a:latin typeface="Fujitsu Sans" panose="020B0404060202020204" pitchFamily="34" charset="0"/>
-                  <a:ea typeface="ＭＳ Ｐゴシック" pitchFamily="50" charset="-128"/>
-                </a:rPr>
-                <a:t>Cloud Infrastructure</a:t>
-              </a:r>
-            </a:p>
-          </p:txBody>
-        </p:sp>
-        <p:sp>
-          <p:nvSpPr>
-            <p:cNvPr id="14" name="Rounded Rectangle 13"/>
-            <p:cNvSpPr/>
-            <p:nvPr/>
-          </p:nvSpPr>
-          <p:spPr>
-            <a:xfrm>
-              <a:off x="3420563" y="2004765"/>
-              <a:ext cx="471553" cy="344115"/>
-            </a:xfrm>
-            <a:prstGeom prst="roundRect">
-              <a:avLst>
-                <a:gd name="adj" fmla="val 24699"/>
-              </a:avLst>
-            </a:prstGeom>
-            <a:noFill/>
-            <a:ln w="9525">
-              <a:solidFill>
-                <a:schemeClr val="bg1"/>
-              </a:solidFill>
-            </a:ln>
-          </p:spPr>
-          <p:style>
-            <a:lnRef idx="2">
-              <a:schemeClr val="accent1">
-                <a:shade val="50000"/>
-              </a:schemeClr>
-            </a:lnRef>
-            <a:fillRef idx="1">
-              <a:schemeClr val="accent1"/>
-            </a:fillRef>
-            <a:effectRef idx="0">
-              <a:schemeClr val="accent1"/>
-            </a:effectRef>
-            <a:fontRef idx="minor">
-              <a:schemeClr val="lt1"/>
-            </a:fontRef>
-          </p:style>
-          <p:txBody>
-            <a:bodyPr rtlCol="0" anchor="t"/>
-            <a:lstStyle/>
-            <a:p>
-              <a:r>
-                <a:rPr lang="de-DE" sz="1600" dirty="0" smtClean="0">
-                  <a:solidFill>
-                    <a:schemeClr val="bg1"/>
-                  </a:solidFill>
-                  <a:latin typeface="Fujitsu Sans" panose="020B0404060202020204" pitchFamily="34" charset="0"/>
-                </a:rPr>
-                <a:t>VM</a:t>
-              </a:r>
-              <a:endParaRPr lang="en-US" sz="1600" dirty="0">
-                <a:solidFill>
-                  <a:schemeClr val="bg1"/>
-                </a:solidFill>
-                <a:latin typeface="Fujitsu Sans" panose="020B0404060202020204" pitchFamily="34" charset="0"/>
-              </a:endParaRPr>
-            </a:p>
-          </p:txBody>
-        </p:sp>
-        <p:sp>
-          <p:nvSpPr>
-            <p:cNvPr id="15" name="Rounded Rectangle 14"/>
-            <p:cNvSpPr/>
-            <p:nvPr/>
-          </p:nvSpPr>
-          <p:spPr>
-            <a:xfrm>
-              <a:off x="3960465" y="2004766"/>
-              <a:ext cx="468210" cy="344114"/>
-            </a:xfrm>
-            <a:prstGeom prst="roundRect">
-              <a:avLst>
-                <a:gd name="adj" fmla="val 24699"/>
-              </a:avLst>
-            </a:prstGeom>
-            <a:noFill/>
-            <a:ln w="9525">
-              <a:solidFill>
-                <a:schemeClr val="bg1"/>
-              </a:solidFill>
-            </a:ln>
-          </p:spPr>
-          <p:style>
-            <a:lnRef idx="2">
-              <a:schemeClr val="accent1">
-                <a:shade val="50000"/>
-              </a:schemeClr>
-            </a:lnRef>
-            <a:fillRef idx="1">
-              <a:schemeClr val="accent1"/>
-            </a:fillRef>
-            <a:effectRef idx="0">
-              <a:schemeClr val="accent1"/>
-            </a:effectRef>
-            <a:fontRef idx="minor">
-              <a:schemeClr val="lt1"/>
-            </a:fontRef>
-          </p:style>
-          <p:txBody>
-            <a:bodyPr rtlCol="0" anchor="t"/>
-            <a:lstStyle/>
-            <a:p>
-              <a:r>
-                <a:rPr lang="de-DE" sz="1600" dirty="0" smtClean="0">
-                  <a:solidFill>
-                    <a:schemeClr val="bg1"/>
-                  </a:solidFill>
-                  <a:latin typeface="Fujitsu Sans" panose="020B0404060202020204" pitchFamily="34" charset="0"/>
-                </a:rPr>
-                <a:t>AP</a:t>
-              </a:r>
-              <a:endParaRPr lang="en-US" sz="1600" dirty="0">
-                <a:solidFill>
-                  <a:schemeClr val="bg1"/>
-                </a:solidFill>
-                <a:latin typeface="Fujitsu Sans" panose="020B0404060202020204" pitchFamily="34" charset="0"/>
-              </a:endParaRPr>
-            </a:p>
-          </p:txBody>
-        </p:sp>
-        <p:sp>
-          <p:nvSpPr>
-            <p:cNvPr id="16" name="Rounded Rectangle 15"/>
-            <p:cNvSpPr/>
-            <p:nvPr/>
-          </p:nvSpPr>
-          <p:spPr>
-            <a:xfrm>
-              <a:off x="4500683" y="2004765"/>
-              <a:ext cx="452331" cy="344115"/>
-            </a:xfrm>
-            <a:prstGeom prst="roundRect">
-              <a:avLst>
-                <a:gd name="adj" fmla="val 24699"/>
-              </a:avLst>
-            </a:prstGeom>
-            <a:noFill/>
-            <a:ln w="9525">
-              <a:solidFill>
-                <a:schemeClr val="bg1"/>
-              </a:solidFill>
-            </a:ln>
-          </p:spPr>
-          <p:style>
-            <a:lnRef idx="2">
-              <a:schemeClr val="accent1">
-                <a:shade val="50000"/>
-              </a:schemeClr>
-            </a:lnRef>
-            <a:fillRef idx="1">
-              <a:schemeClr val="accent1"/>
-            </a:fillRef>
-            <a:effectRef idx="0">
-              <a:schemeClr val="accent1"/>
-            </a:effectRef>
-            <a:fontRef idx="minor">
-              <a:schemeClr val="lt1"/>
-            </a:fontRef>
-          </p:style>
-          <p:txBody>
-            <a:bodyPr rtlCol="0" anchor="t"/>
-            <a:lstStyle/>
-            <a:p>
-              <a:r>
-                <a:rPr lang="de-DE" sz="1600" dirty="0" smtClean="0">
-                  <a:solidFill>
-                    <a:schemeClr val="bg1"/>
-                  </a:solidFill>
-                  <a:latin typeface="Fujitsu Sans" panose="020B0404060202020204" pitchFamily="34" charset="0"/>
-                </a:rPr>
-                <a:t>DB</a:t>
-              </a:r>
-              <a:endParaRPr lang="en-US" sz="1600" dirty="0">
-                <a:solidFill>
-                  <a:schemeClr val="bg1"/>
-                </a:solidFill>
-                <a:latin typeface="Fujitsu Sans" panose="020B0404060202020204" pitchFamily="34" charset="0"/>
-              </a:endParaRPr>
-            </a:p>
-          </p:txBody>
-        </p:sp>
-        <p:sp>
-          <p:nvSpPr>
-            <p:cNvPr id="17" name="Rounded Rectangle 16"/>
-            <p:cNvSpPr/>
-            <p:nvPr/>
-          </p:nvSpPr>
-          <p:spPr bwMode="gray">
-            <a:xfrm>
-              <a:off x="3348556" y="3624496"/>
-              <a:ext cx="1656184" cy="884624"/>
-            </a:xfrm>
-            <a:prstGeom prst="roundRect">
-              <a:avLst/>
-            </a:prstGeom>
-            <a:solidFill>
-              <a:srgbClr val="7E7D76"/>
-            </a:solidFill>
-            <a:ln w="9525" cap="flat" cmpd="sng" algn="ctr">
-              <a:solidFill>
-                <a:schemeClr val="accent3"/>
-              </a:solidFill>
-              <a:prstDash val="solid"/>
-              <a:round/>
-              <a:headEnd type="none" w="med" len="med"/>
-              <a:tailEnd type="none" w="med" len="med"/>
-            </a:ln>
-            <a:effectLst>
-              <a:outerShdw dist="53882" dir="2700000" algn="ctr" rotWithShape="0">
-                <a:schemeClr val="bg2">
-                  <a:alpha val="50000"/>
-                </a:schemeClr>
-              </a:outerShdw>
-            </a:effectLst>
-            <a:extLst/>
-          </p:spPr>
-          <p:txBody>
-            <a:bodyPr vert="horz" wrap="none" lIns="91440" tIns="45720" rIns="91440" bIns="45720" numCol="1" rtlCol="0" anchor="ctr" anchorCtr="0" compatLnSpc="1">
-              <a:prstTxWarp prst="textNoShape">
-                <a:avLst/>
-              </a:prstTxWarp>
-            </a:bodyPr>
-            <a:lstStyle/>
-            <a:p>
-              <a:endParaRPr lang="en-US" sz="1100" dirty="0">
-                <a:solidFill>
-                  <a:schemeClr val="bg1"/>
-                </a:solidFill>
-                <a:latin typeface="Fujitsu Sans" panose="020B0404060202020204" pitchFamily="34" charset="0"/>
-              </a:endParaRPr>
-            </a:p>
-          </p:txBody>
-        </p:sp>
-        <p:sp>
-          <p:nvSpPr>
-            <p:cNvPr id="18" name="Rounded Rectangle 17"/>
-            <p:cNvSpPr/>
-            <p:nvPr/>
-          </p:nvSpPr>
-          <p:spPr>
-            <a:xfrm>
-              <a:off x="3456529" y="3903716"/>
-              <a:ext cx="1404194" cy="317372"/>
-            </a:xfrm>
-            <a:prstGeom prst="roundRect">
-              <a:avLst>
-                <a:gd name="adj" fmla="val 24699"/>
-              </a:avLst>
-            </a:prstGeom>
-            <a:noFill/>
-            <a:ln w="9525">
-              <a:solidFill>
-                <a:schemeClr val="bg1"/>
-              </a:solidFill>
-            </a:ln>
-          </p:spPr>
-          <p:style>
-            <a:lnRef idx="2">
-              <a:schemeClr val="accent1">
-                <a:shade val="50000"/>
-              </a:schemeClr>
-            </a:lnRef>
-            <a:fillRef idx="1">
-              <a:schemeClr val="accent1"/>
-            </a:fillRef>
-            <a:effectRef idx="0">
-              <a:schemeClr val="accent1"/>
-            </a:effectRef>
-            <a:fontRef idx="minor">
-              <a:schemeClr val="lt1"/>
-            </a:fontRef>
-          </p:style>
-          <p:txBody>
-            <a:bodyPr rtlCol="0" anchor="t"/>
-            <a:lstStyle/>
-            <a:p>
-              <a:r>
-                <a:rPr lang="de-DE" sz="1600" dirty="0" smtClean="0">
-                  <a:solidFill>
-                    <a:schemeClr val="bg1"/>
-                  </a:solidFill>
-                  <a:latin typeface="Fujitsu Sans" panose="020B0404060202020204" pitchFamily="34" charset="0"/>
-                </a:rPr>
-                <a:t>Open Stack Nova</a:t>
-              </a:r>
-              <a:endParaRPr lang="en-US" sz="1600" dirty="0">
-                <a:solidFill>
-                  <a:schemeClr val="bg1"/>
-                </a:solidFill>
-                <a:latin typeface="Fujitsu Sans" panose="020B0404060202020204" pitchFamily="34" charset="0"/>
-              </a:endParaRPr>
-            </a:p>
-          </p:txBody>
-        </p:sp>
-        <p:cxnSp>
-          <p:nvCxnSpPr>
-            <p:cNvPr id="19" name="Elbow Connector 4"/>
-            <p:cNvCxnSpPr/>
-            <p:nvPr/>
-          </p:nvCxnSpPr>
-          <p:spPr bwMode="auto">
-            <a:xfrm>
-              <a:off x="2267744" y="3056260"/>
-              <a:ext cx="1080120" cy="12700"/>
-            </a:xfrm>
-            <a:prstGeom prst="curvedConnector3">
-              <a:avLst>
-                <a:gd name="adj1" fmla="val 50000"/>
-              </a:avLst>
-            </a:prstGeom>
-            <a:gradFill rotWithShape="0">
-              <a:gsLst>
-                <a:gs pos="0">
-                  <a:srgbClr val="FFFFFF"/>
-                </a:gs>
-                <a:gs pos="100000">
-                  <a:srgbClr val="CACAC7"/>
-                </a:gs>
-              </a:gsLst>
-              <a:lin ang="5400000" scaled="1"/>
-            </a:gradFill>
-            <a:ln w="19050" cap="flat" cmpd="sng" algn="ctr">
-              <a:solidFill>
-                <a:srgbClr val="57564F"/>
-              </a:solidFill>
-              <a:prstDash val="solid"/>
-              <a:round/>
-              <a:headEnd type="none" w="med" len="med"/>
-              <a:tailEnd type="triangle" w="med" len="med"/>
-            </a:ln>
-            <a:effectLst/>
-            <a:extLst>
-              <a:ext uri="{AF507438-7753-43E0-B8FC-AC1667EBCBE1}">
-                <a14:hiddenEffects xmlns:a14="http://schemas.microsoft.com/office/drawing/2010/main">
-                  <a:effectLst>
-                    <a:outerShdw dist="53882" dir="2700000" algn="ctr" rotWithShape="0">
-                      <a:schemeClr val="bg2">
-                        <a:alpha val="50000"/>
-                      </a:schemeClr>
-                    </a:outerShdw>
-                  </a:effectLst>
-                </a14:hiddenEffects>
-              </a:ext>
-            </a:extLst>
-          </p:spPr>
-        </p:cxnSp>
-        <p:cxnSp>
-          <p:nvCxnSpPr>
-            <p:cNvPr id="20" name="Elbow Connector 4"/>
-            <p:cNvCxnSpPr/>
-            <p:nvPr/>
-          </p:nvCxnSpPr>
-          <p:spPr bwMode="auto">
-            <a:xfrm rot="10800000">
-              <a:off x="5292080" y="2628000"/>
-              <a:ext cx="1799510" cy="8912"/>
-            </a:xfrm>
-            <a:prstGeom prst="curvedConnector3">
-              <a:avLst>
-                <a:gd name="adj1" fmla="val 50000"/>
-              </a:avLst>
-            </a:prstGeom>
-            <a:gradFill rotWithShape="0">
-              <a:gsLst>
-                <a:gs pos="0">
-                  <a:srgbClr val="FFFFFF"/>
-                </a:gs>
-                <a:gs pos="100000">
-                  <a:srgbClr val="CACAC7"/>
-                </a:gs>
-              </a:gsLst>
-              <a:lin ang="5400000" scaled="1"/>
-            </a:gradFill>
-            <a:ln w="19050" cap="flat" cmpd="sng" algn="ctr">
-              <a:solidFill>
-                <a:srgbClr val="57564F"/>
-              </a:solidFill>
-              <a:prstDash val="solid"/>
-              <a:round/>
-              <a:headEnd type="none" w="med" len="med"/>
-              <a:tailEnd type="triangle" w="med" len="med"/>
-            </a:ln>
-            <a:effectLst/>
-            <a:extLst>
-              <a:ext uri="{AF507438-7753-43E0-B8FC-AC1667EBCBE1}">
-                <a14:hiddenEffects xmlns:a14="http://schemas.microsoft.com/office/drawing/2010/main">
-                  <a:effectLst>
-                    <a:outerShdw dist="53882" dir="2700000" algn="ctr" rotWithShape="0">
-                      <a:schemeClr val="bg2">
-                        <a:alpha val="50000"/>
-                      </a:schemeClr>
-                    </a:outerShdw>
-                  </a:effectLst>
-                </a14:hiddenEffects>
-              </a:ext>
-            </a:extLst>
-          </p:spPr>
-        </p:cxnSp>
-        <p:cxnSp>
-          <p:nvCxnSpPr>
-            <p:cNvPr id="21" name="Elbow Connector 4"/>
-            <p:cNvCxnSpPr/>
-            <p:nvPr/>
-          </p:nvCxnSpPr>
-          <p:spPr bwMode="auto">
-            <a:xfrm rot="5400000" flipH="1" flipV="1">
-              <a:off x="4382843" y="5225675"/>
-              <a:ext cx="863396" cy="6351"/>
-            </a:xfrm>
-            <a:prstGeom prst="curvedConnector3">
-              <a:avLst>
-                <a:gd name="adj1" fmla="val 50000"/>
-              </a:avLst>
-            </a:prstGeom>
-            <a:gradFill rotWithShape="0">
-              <a:gsLst>
-                <a:gs pos="0">
-                  <a:srgbClr val="FFFFFF"/>
-                </a:gs>
-                <a:gs pos="100000">
-                  <a:srgbClr val="CACAC7"/>
-                </a:gs>
-              </a:gsLst>
-              <a:lin ang="5400000" scaled="1"/>
-            </a:gradFill>
-            <a:ln w="19050" cap="flat" cmpd="sng" algn="ctr">
-              <a:solidFill>
-                <a:srgbClr val="57564F"/>
-              </a:solidFill>
-              <a:prstDash val="solid"/>
-              <a:round/>
-              <a:headEnd type="none" w="med" len="med"/>
-              <a:tailEnd type="triangle" w="med" len="med"/>
-            </a:ln>
-            <a:effectLst/>
-            <a:extLst>
-              <a:ext uri="{AF507438-7753-43E0-B8FC-AC1667EBCBE1}">
-                <a14:hiddenEffects xmlns:a14="http://schemas.microsoft.com/office/drawing/2010/main">
-                  <a:effectLst>
-                    <a:outerShdw dist="53882" dir="2700000" algn="ctr" rotWithShape="0">
-                      <a:schemeClr val="bg2">
-                        <a:alpha val="50000"/>
-                      </a:schemeClr>
-                    </a:outerShdw>
-                  </a:effectLst>
-                </a14:hiddenEffects>
-              </a:ext>
-            </a:extLst>
-          </p:spPr>
-        </p:cxnSp>
-        <p:sp>
-          <p:nvSpPr>
-            <p:cNvPr id="22" name="Rounded Rectangle 21"/>
-            <p:cNvSpPr/>
-            <p:nvPr/>
-          </p:nvSpPr>
-          <p:spPr>
-            <a:xfrm>
-              <a:off x="3635896" y="1599460"/>
-              <a:ext cx="1070509" cy="317372"/>
-            </a:xfrm>
-            <a:prstGeom prst="roundRect">
-              <a:avLst>
-                <a:gd name="adj" fmla="val 24699"/>
-              </a:avLst>
-            </a:prstGeom>
-            <a:noFill/>
-            <a:ln w="9525">
-              <a:solidFill>
-                <a:schemeClr val="bg1"/>
-              </a:solidFill>
-            </a:ln>
-          </p:spPr>
-          <p:style>
-            <a:lnRef idx="2">
-              <a:schemeClr val="accent1">
-                <a:shade val="50000"/>
-              </a:schemeClr>
-            </a:lnRef>
-            <a:fillRef idx="1">
-              <a:schemeClr val="accent1"/>
-            </a:fillRef>
-            <a:effectRef idx="0">
-              <a:schemeClr val="accent1"/>
-            </a:effectRef>
-            <a:fontRef idx="minor">
-              <a:schemeClr val="lt1"/>
-            </a:fontRef>
-          </p:style>
-          <p:txBody>
-            <a:bodyPr rtlCol="0" anchor="t"/>
-            <a:lstStyle/>
-            <a:p>
-              <a:r>
-                <a:rPr lang="de-DE" sz="1600" dirty="0" smtClean="0">
-                  <a:solidFill>
-                    <a:schemeClr val="bg1"/>
-                  </a:solidFill>
-                  <a:latin typeface="Fujitsu Sans" panose="020B0404060202020204" pitchFamily="34" charset="0"/>
-                </a:rPr>
-                <a:t>Service A</a:t>
-              </a:r>
-              <a:endParaRPr lang="en-US" sz="1600" dirty="0">
-                <a:solidFill>
-                  <a:schemeClr val="bg1"/>
-                </a:solidFill>
-                <a:latin typeface="Fujitsu Sans" panose="020B0404060202020204" pitchFamily="34" charset="0"/>
-              </a:endParaRPr>
-            </a:p>
-          </p:txBody>
-        </p:sp>
-        <p:sp>
-          <p:nvSpPr>
-            <p:cNvPr id="23" name="Rounded Rectangle 22"/>
-            <p:cNvSpPr/>
-            <p:nvPr/>
-          </p:nvSpPr>
-          <p:spPr bwMode="gray">
-            <a:xfrm>
-              <a:off x="3347864" y="2566627"/>
-              <a:ext cx="1670767" cy="934381"/>
-            </a:xfrm>
-            <a:prstGeom prst="roundRect">
-              <a:avLst/>
-            </a:prstGeom>
-            <a:solidFill>
-              <a:srgbClr val="7E7D76"/>
-            </a:solidFill>
-            <a:ln w="9525" cap="flat" cmpd="sng" algn="ctr">
-              <a:solidFill>
-                <a:schemeClr val="accent3"/>
-              </a:solidFill>
-              <a:prstDash val="solid"/>
-              <a:round/>
-              <a:headEnd type="none" w="med" len="med"/>
-              <a:tailEnd type="none" w="med" len="med"/>
-            </a:ln>
-            <a:effectLst>
-              <a:outerShdw dist="53882" dir="2700000" algn="ctr" rotWithShape="0">
-                <a:schemeClr val="bg2">
-                  <a:alpha val="50000"/>
-                </a:schemeClr>
-              </a:outerShdw>
-            </a:effectLst>
-            <a:extLst/>
-          </p:spPr>
-          <p:txBody>
-            <a:bodyPr vert="horz" wrap="none" lIns="91440" tIns="45720" rIns="91440" bIns="45720" numCol="1" rtlCol="0" anchor="ctr" anchorCtr="0" compatLnSpc="1">
-              <a:prstTxWarp prst="textNoShape">
-                <a:avLst/>
-              </a:prstTxWarp>
-            </a:bodyPr>
-            <a:lstStyle/>
-            <a:p>
-              <a:endParaRPr lang="en-US" sz="1100" dirty="0">
-                <a:solidFill>
-                  <a:schemeClr val="bg1"/>
-                </a:solidFill>
-                <a:latin typeface="Fujitsu Sans" panose="020B0404060202020204" pitchFamily="34" charset="0"/>
-              </a:endParaRPr>
-            </a:p>
-          </p:txBody>
-        </p:sp>
-        <p:sp>
-          <p:nvSpPr>
-            <p:cNvPr id="24" name="Rounded Rectangle 23"/>
-            <p:cNvSpPr/>
-            <p:nvPr/>
-          </p:nvSpPr>
-          <p:spPr>
-            <a:xfrm>
-              <a:off x="3635896" y="2636912"/>
-              <a:ext cx="1070509" cy="317372"/>
-            </a:xfrm>
-            <a:prstGeom prst="roundRect">
-              <a:avLst>
-                <a:gd name="adj" fmla="val 24699"/>
-              </a:avLst>
-            </a:prstGeom>
-            <a:noFill/>
-            <a:ln w="9525">
-              <a:solidFill>
-                <a:schemeClr val="bg1"/>
-              </a:solidFill>
-            </a:ln>
-          </p:spPr>
-          <p:style>
-            <a:lnRef idx="2">
-              <a:schemeClr val="accent1">
-                <a:shade val="50000"/>
-              </a:schemeClr>
-            </a:lnRef>
-            <a:fillRef idx="1">
-              <a:schemeClr val="accent1"/>
-            </a:fillRef>
-            <a:effectRef idx="0">
-              <a:schemeClr val="accent1"/>
-            </a:effectRef>
-            <a:fontRef idx="minor">
-              <a:schemeClr val="lt1"/>
-            </a:fontRef>
-          </p:style>
-          <p:txBody>
-            <a:bodyPr rtlCol="0" anchor="t"/>
-            <a:lstStyle/>
-            <a:p>
-              <a:r>
-                <a:rPr lang="de-DE" sz="1600" dirty="0" smtClean="0">
-                  <a:solidFill>
-                    <a:schemeClr val="bg1"/>
-                  </a:solidFill>
-                  <a:latin typeface="Fujitsu Sans" panose="020B0404060202020204" pitchFamily="34" charset="0"/>
-                </a:rPr>
-                <a:t>Service B</a:t>
-              </a:r>
-              <a:endParaRPr lang="en-US" sz="1600" dirty="0">
-                <a:solidFill>
-                  <a:schemeClr val="bg1"/>
-                </a:solidFill>
-                <a:latin typeface="Fujitsu Sans" panose="020B0404060202020204" pitchFamily="34" charset="0"/>
-              </a:endParaRPr>
-            </a:p>
-          </p:txBody>
-        </p:sp>
-        <p:sp>
-          <p:nvSpPr>
-            <p:cNvPr id="25" name="Rounded Rectangle 24"/>
-            <p:cNvSpPr/>
-            <p:nvPr/>
-          </p:nvSpPr>
-          <p:spPr>
-            <a:xfrm>
-              <a:off x="3419872" y="3084885"/>
-              <a:ext cx="471553" cy="344115"/>
-            </a:xfrm>
-            <a:prstGeom prst="roundRect">
-              <a:avLst>
-                <a:gd name="adj" fmla="val 24699"/>
-              </a:avLst>
-            </a:prstGeom>
-            <a:noFill/>
-            <a:ln w="9525">
-              <a:solidFill>
-                <a:schemeClr val="bg1"/>
-              </a:solidFill>
-            </a:ln>
-          </p:spPr>
-          <p:style>
-            <a:lnRef idx="2">
-              <a:schemeClr val="accent1">
-                <a:shade val="50000"/>
-              </a:schemeClr>
-            </a:lnRef>
-            <a:fillRef idx="1">
-              <a:schemeClr val="accent1"/>
-            </a:fillRef>
-            <a:effectRef idx="0">
-              <a:schemeClr val="accent1"/>
-            </a:effectRef>
-            <a:fontRef idx="minor">
-              <a:schemeClr val="lt1"/>
-            </a:fontRef>
-          </p:style>
-          <p:txBody>
-            <a:bodyPr rtlCol="0" anchor="t"/>
-            <a:lstStyle/>
-            <a:p>
-              <a:r>
-                <a:rPr lang="de-DE" sz="1600" dirty="0" smtClean="0">
-                  <a:solidFill>
-                    <a:schemeClr val="bg1"/>
-                  </a:solidFill>
-                  <a:latin typeface="Fujitsu Sans" panose="020B0404060202020204" pitchFamily="34" charset="0"/>
-                </a:rPr>
-                <a:t>VM</a:t>
-              </a:r>
-              <a:endParaRPr lang="en-US" sz="1600" dirty="0">
-                <a:solidFill>
-                  <a:schemeClr val="bg1"/>
-                </a:solidFill>
-                <a:latin typeface="Fujitsu Sans" panose="020B0404060202020204" pitchFamily="34" charset="0"/>
-              </a:endParaRPr>
-            </a:p>
-          </p:txBody>
-        </p:sp>
-        <p:sp>
-          <p:nvSpPr>
-            <p:cNvPr id="26" name="Rounded Rectangle 25"/>
-            <p:cNvSpPr/>
-            <p:nvPr/>
-          </p:nvSpPr>
-          <p:spPr>
-            <a:xfrm>
-              <a:off x="3956431" y="3084885"/>
-              <a:ext cx="471553" cy="344115"/>
-            </a:xfrm>
-            <a:prstGeom prst="roundRect">
-              <a:avLst>
-                <a:gd name="adj" fmla="val 24699"/>
-              </a:avLst>
-            </a:prstGeom>
-            <a:noFill/>
-            <a:ln w="9525">
-              <a:solidFill>
-                <a:schemeClr val="bg1"/>
-              </a:solidFill>
-            </a:ln>
-          </p:spPr>
-          <p:style>
-            <a:lnRef idx="2">
-              <a:schemeClr val="accent1">
-                <a:shade val="50000"/>
-              </a:schemeClr>
-            </a:lnRef>
-            <a:fillRef idx="1">
-              <a:schemeClr val="accent1"/>
-            </a:fillRef>
-            <a:effectRef idx="0">
-              <a:schemeClr val="accent1"/>
-            </a:effectRef>
-            <a:fontRef idx="minor">
-              <a:schemeClr val="lt1"/>
-            </a:fontRef>
-          </p:style>
-          <p:txBody>
-            <a:bodyPr rtlCol="0" anchor="t"/>
-            <a:lstStyle/>
-            <a:p>
-              <a:r>
-                <a:rPr lang="de-DE" sz="1600" dirty="0" smtClean="0">
-                  <a:solidFill>
-                    <a:schemeClr val="bg1"/>
-                  </a:solidFill>
-                  <a:latin typeface="Fujitsu Sans" panose="020B0404060202020204" pitchFamily="34" charset="0"/>
-                </a:rPr>
-                <a:t>AP</a:t>
-              </a:r>
-              <a:endParaRPr lang="en-US" sz="1600" dirty="0">
-                <a:solidFill>
-                  <a:schemeClr val="bg1"/>
-                </a:solidFill>
-                <a:latin typeface="Fujitsu Sans" panose="020B0404060202020204" pitchFamily="34" charset="0"/>
-              </a:endParaRPr>
-            </a:p>
-          </p:txBody>
-        </p:sp>
-        <p:sp>
-          <p:nvSpPr>
-            <p:cNvPr id="27" name="Rounded Rectangle 26"/>
-            <p:cNvSpPr/>
-            <p:nvPr/>
-          </p:nvSpPr>
-          <p:spPr>
-            <a:xfrm>
-              <a:off x="4499992" y="3084885"/>
-              <a:ext cx="471553" cy="344115"/>
-            </a:xfrm>
-            <a:prstGeom prst="roundRect">
-              <a:avLst>
-                <a:gd name="adj" fmla="val 24699"/>
-              </a:avLst>
-            </a:prstGeom>
-            <a:noFill/>
-            <a:ln w="9525">
-              <a:solidFill>
-                <a:schemeClr val="bg1"/>
-              </a:solidFill>
-            </a:ln>
-          </p:spPr>
-          <p:style>
-            <a:lnRef idx="2">
-              <a:schemeClr val="accent1">
-                <a:shade val="50000"/>
-              </a:schemeClr>
-            </a:lnRef>
-            <a:fillRef idx="1">
-              <a:schemeClr val="accent1"/>
-            </a:fillRef>
-            <a:effectRef idx="0">
-              <a:schemeClr val="accent1"/>
-            </a:effectRef>
-            <a:fontRef idx="minor">
-              <a:schemeClr val="lt1"/>
-            </a:fontRef>
-          </p:style>
-          <p:txBody>
-            <a:bodyPr rtlCol="0" anchor="t"/>
-            <a:lstStyle/>
-            <a:p>
-              <a:r>
-                <a:rPr lang="de-DE" sz="1600" dirty="0" smtClean="0">
-                  <a:solidFill>
-                    <a:schemeClr val="bg1"/>
-                  </a:solidFill>
-                  <a:latin typeface="Fujitsu Sans" panose="020B0404060202020204" pitchFamily="34" charset="0"/>
-                </a:rPr>
-                <a:t>AP</a:t>
-              </a:r>
-              <a:endParaRPr lang="en-US" sz="1600" dirty="0">
-                <a:solidFill>
-                  <a:schemeClr val="bg1"/>
-                </a:solidFill>
-                <a:latin typeface="Fujitsu Sans" panose="020B0404060202020204" pitchFamily="34" charset="0"/>
-              </a:endParaRPr>
-            </a:p>
-          </p:txBody>
-        </p:sp>
-        <p:cxnSp>
-          <p:nvCxnSpPr>
-            <p:cNvPr id="28" name="Elbow Connector 4"/>
-            <p:cNvCxnSpPr/>
-            <p:nvPr/>
-          </p:nvCxnSpPr>
-          <p:spPr bwMode="auto">
-            <a:xfrm rot="5400000" flipH="1" flipV="1">
-              <a:off x="3279382" y="5225675"/>
-              <a:ext cx="863396" cy="6351"/>
-            </a:xfrm>
-            <a:prstGeom prst="curvedConnector3">
-              <a:avLst>
-                <a:gd name="adj1" fmla="val 50000"/>
-              </a:avLst>
-            </a:prstGeom>
-            <a:gradFill rotWithShape="0">
-              <a:gsLst>
-                <a:gs pos="0">
-                  <a:srgbClr val="FFFFFF"/>
-                </a:gs>
-                <a:gs pos="100000">
-                  <a:srgbClr val="CACAC7"/>
-                </a:gs>
-              </a:gsLst>
-              <a:lin ang="5400000" scaled="1"/>
-            </a:gradFill>
-            <a:ln w="19050" cap="flat" cmpd="sng" algn="ctr">
-              <a:solidFill>
-                <a:srgbClr val="57564F"/>
-              </a:solidFill>
-              <a:prstDash val="solid"/>
-              <a:round/>
-              <a:headEnd type="none" w="med" len="med"/>
-              <a:tailEnd type="triangle" w="med" len="med"/>
-            </a:ln>
-            <a:effectLst/>
-            <a:extLst>
-              <a:ext uri="{AF507438-7753-43E0-B8FC-AC1667EBCBE1}">
-                <a14:hiddenEffects xmlns:a14="http://schemas.microsoft.com/office/drawing/2010/main">
-                  <a:effectLst>
-                    <a:outerShdw dist="53882" dir="2700000" algn="ctr" rotWithShape="0">
-                      <a:schemeClr val="bg2">
-                        <a:alpha val="50000"/>
-                      </a:schemeClr>
-                    </a:outerShdw>
-                  </a:effectLst>
-                </a14:hiddenEffects>
-              </a:ext>
-            </a:extLst>
-          </p:spPr>
-        </p:cxnSp>
-        <p:sp>
-          <p:nvSpPr>
-            <p:cNvPr id="29" name="TextBox 28"/>
-            <p:cNvSpPr txBox="1"/>
-            <p:nvPr/>
-          </p:nvSpPr>
-          <p:spPr>
-            <a:xfrm>
-              <a:off x="4572000" y="5408917"/>
-              <a:ext cx="3430608" cy="233397"/>
+              <a:off x="5659751" y="2899040"/>
+              <a:ext cx="1780692" cy="251992"/>
             </a:xfrm>
             <a:prstGeom prst="rect">
               <a:avLst/>
@@ -4316,582 +4921,7 @@
                 <a:rPr lang="en-US" sz="1400" dirty="0" smtClean="0">
                   <a:latin typeface="Fujitsu Sans" panose="020B0404060202020204" pitchFamily="34" charset="0"/>
                 </a:rPr>
-                <a:t> </a:t>
-              </a:r>
-              <a:r>
-                <a:rPr lang="en-US" sz="1400" dirty="0" smtClean="0">
-                  <a:latin typeface="Fujitsu Sans" panose="020B0404060202020204" pitchFamily="34" charset="0"/>
-                </a:rPr>
-                <a:t>       Collects </a:t>
-              </a:r>
-              <a:r>
-                <a:rPr lang="en-US" sz="1400" dirty="0" smtClean="0">
-                  <a:latin typeface="Fujitsu Sans" panose="020B0404060202020204" pitchFamily="34" charset="0"/>
-                </a:rPr>
-                <a:t>and analyzes log data on OpenStack Nova</a:t>
-              </a:r>
-              <a:endParaRPr lang="en-US" sz="1400" dirty="0">
-                <a:latin typeface="Fujitsu Sans" panose="020B0404060202020204" pitchFamily="34" charset="0"/>
-              </a:endParaRPr>
-            </a:p>
-          </p:txBody>
-        </p:sp>
-        <p:pic>
-          <p:nvPicPr>
-            <p:cNvPr id="30" name="Picture 2" descr="D:\11FDL\20151113ServerView_Cloud_Monitoring_Manager\02作成\ddl_download\8699_0014.png"/>
-            <p:cNvPicPr>
-              <a:picLocks noChangeAspect="1" noChangeArrowheads="1"/>
-            </p:cNvPicPr>
-            <p:nvPr/>
-          </p:nvPicPr>
-          <p:blipFill>
-            <a:blip r:embed="rId2" cstate="print">
-              <a:extLst>
-                <a:ext uri="{28A0092B-C50C-407E-A947-70E740481C1C}">
-                  <a14:useLocalDpi xmlns:a14="http://schemas.microsoft.com/office/drawing/2010/main" val="0"/>
-                </a:ext>
-              </a:extLst>
-            </a:blip>
-            <a:srcRect/>
-            <a:stretch>
-              <a:fillRect/>
-            </a:stretch>
-          </p:blipFill>
-          <p:spPr bwMode="auto">
-            <a:xfrm>
-              <a:off x="1403649" y="2122773"/>
-              <a:ext cx="720079" cy="505226"/>
-            </a:xfrm>
-            <a:prstGeom prst="rect">
-              <a:avLst/>
-            </a:prstGeom>
-            <a:noFill/>
-            <a:extLst>
-              <a:ext uri="{909E8E84-426E-40DD-AFC4-6F175D3DCCD1}">
-                <a14:hiddenFill xmlns:a14="http://schemas.microsoft.com/office/drawing/2010/main">
-                  <a:solidFill>
-                    <a:srgbClr val="FFFFFF"/>
-                  </a:solidFill>
-                </a14:hiddenFill>
-              </a:ext>
-            </a:extLst>
-          </p:spPr>
-        </p:pic>
-        <p:pic>
-          <p:nvPicPr>
-            <p:cNvPr id="31" name="Picture 2" descr="D:\11FDL\20151113ServerView_Cloud_Monitoring_Manager\02作成\ddl_download\8699_0014.png"/>
-            <p:cNvPicPr>
-              <a:picLocks noChangeAspect="1" noChangeArrowheads="1"/>
-            </p:cNvPicPr>
-            <p:nvPr/>
-          </p:nvPicPr>
-          <p:blipFill>
-            <a:blip r:embed="rId2" cstate="print">
-              <a:extLst>
-                <a:ext uri="{28A0092B-C50C-407E-A947-70E740481C1C}">
-                  <a14:useLocalDpi xmlns:a14="http://schemas.microsoft.com/office/drawing/2010/main" val="0"/>
-                </a:ext>
-              </a:extLst>
-            </a:blip>
-            <a:srcRect/>
-            <a:stretch>
-              <a:fillRect/>
-            </a:stretch>
-          </p:blipFill>
-          <p:spPr bwMode="auto">
-            <a:xfrm>
-              <a:off x="7380312" y="2131686"/>
-              <a:ext cx="720079" cy="505226"/>
-            </a:xfrm>
-            <a:prstGeom prst="rect">
-              <a:avLst/>
-            </a:prstGeom>
-            <a:noFill/>
-            <a:ln>
-              <a:noFill/>
-            </a:ln>
-            <a:effectLst/>
-            <a:extLst>
-              <a:ext uri="{909E8E84-426E-40DD-AFC4-6F175D3DCCD1}">
-                <a14:hiddenFill xmlns:a14="http://schemas.microsoft.com/office/drawing/2010/main">
-                  <a:solidFill>
-                    <a:srgbClr val="FFFFFF"/>
-                  </a:solidFill>
-                </a14:hiddenFill>
-              </a:ext>
-              <a:ext uri="{91240B29-F687-4F45-9708-019B960494DF}">
-                <a14:hiddenLine xmlns:a14="http://schemas.microsoft.com/office/drawing/2010/main" w="9525">
-                  <a:solidFill>
-                    <a:schemeClr val="tx1"/>
-                  </a:solidFill>
-                  <a:miter lim="800000"/>
-                  <a:headEnd/>
-                  <a:tailEnd/>
-                </a14:hiddenLine>
-              </a:ext>
-              <a:ext uri="{AF507438-7753-43E0-B8FC-AC1667EBCBE1}">
-                <a14:hiddenEffects xmlns:a14="http://schemas.microsoft.com/office/drawing/2010/main">
-                  <a:effectLst>
-                    <a:outerShdw dist="35921" dir="2700000" algn="ctr" rotWithShape="0">
-                      <a:schemeClr val="bg2"/>
-                    </a:outerShdw>
-                  </a:effectLst>
-                </a14:hiddenEffects>
-              </a:ext>
-            </a:extLst>
-          </p:spPr>
-        </p:pic>
-        <p:sp>
-          <p:nvSpPr>
-            <p:cNvPr id="32" name="Rectangle 31"/>
-            <p:cNvSpPr/>
-            <p:nvPr/>
-          </p:nvSpPr>
-          <p:spPr>
-            <a:xfrm>
-              <a:off x="3243553" y="1187460"/>
-              <a:ext cx="822661" cy="338554"/>
-            </a:xfrm>
-            <a:prstGeom prst="rect">
-              <a:avLst/>
-            </a:prstGeom>
-          </p:spPr>
-          <p:txBody>
-            <a:bodyPr wrap="none">
-              <a:spAutoFit/>
-            </a:bodyPr>
-            <a:lstStyle/>
-            <a:p>
-              <a:pPr algn="l"/>
-              <a:r>
-                <a:rPr lang="de-DE" sz="1600" dirty="0">
-                  <a:latin typeface="Fujitsu Sans" panose="020B0404060202020204" pitchFamily="34" charset="0"/>
-                </a:rPr>
-                <a:t>Monitoring</a:t>
-              </a:r>
-              <a:endParaRPr lang="en-US" sz="1600" dirty="0">
-                <a:latin typeface="Fujitsu Sans" panose="020B0404060202020204" pitchFamily="34" charset="0"/>
-              </a:endParaRPr>
-            </a:p>
-          </p:txBody>
-        </p:sp>
-        <p:pic>
-          <p:nvPicPr>
-            <p:cNvPr id="33" name="Picture 2" descr="D:\11FDL\20151113ServerView_Cloud_Monitoring_Manager\02作成\ddl_download\8699_0014.png"/>
-            <p:cNvPicPr>
-              <a:picLocks noChangeAspect="1" noChangeArrowheads="1"/>
-            </p:cNvPicPr>
-            <p:nvPr/>
-          </p:nvPicPr>
-          <p:blipFill>
-            <a:blip r:embed="rId2" cstate="print">
-              <a:extLst>
-                <a:ext uri="{28A0092B-C50C-407E-A947-70E740481C1C}">
-                  <a14:useLocalDpi xmlns:a14="http://schemas.microsoft.com/office/drawing/2010/main" val="0"/>
-                </a:ext>
-              </a:extLst>
-            </a:blip>
-            <a:srcRect/>
-            <a:stretch>
-              <a:fillRect/>
-            </a:stretch>
-          </p:blipFill>
-          <p:spPr bwMode="auto">
-            <a:xfrm>
-              <a:off x="3203849" y="5733256"/>
-              <a:ext cx="720079" cy="505226"/>
-            </a:xfrm>
-            <a:prstGeom prst="rect">
-              <a:avLst/>
-            </a:prstGeom>
-            <a:noFill/>
-            <a:ln>
-              <a:noFill/>
-            </a:ln>
-            <a:effectLst/>
-            <a:extLst>
-              <a:ext uri="{909E8E84-426E-40DD-AFC4-6F175D3DCCD1}">
-                <a14:hiddenFill xmlns:a14="http://schemas.microsoft.com/office/drawing/2010/main">
-                  <a:solidFill>
-                    <a:srgbClr val="FFFFFF"/>
-                  </a:solidFill>
-                </a14:hiddenFill>
-              </a:ext>
-              <a:ext uri="{91240B29-F687-4F45-9708-019B960494DF}">
-                <a14:hiddenLine xmlns:a14="http://schemas.microsoft.com/office/drawing/2010/main" w="9525">
-                  <a:solidFill>
-                    <a:schemeClr val="tx1"/>
-                  </a:solidFill>
-                  <a:miter lim="800000"/>
-                  <a:headEnd/>
-                  <a:tailEnd/>
-                </a14:hiddenLine>
-              </a:ext>
-              <a:ext uri="{AF507438-7753-43E0-B8FC-AC1667EBCBE1}">
-                <a14:hiddenEffects xmlns:a14="http://schemas.microsoft.com/office/drawing/2010/main">
-                  <a:effectLst>
-                    <a:outerShdw dist="35921" dir="2700000" algn="ctr" rotWithShape="0">
-                      <a:schemeClr val="bg2"/>
-                    </a:outerShdw>
-                  </a:effectLst>
-                </a14:hiddenEffects>
-              </a:ext>
-            </a:extLst>
-          </p:spPr>
-        </p:pic>
-        <p:pic>
-          <p:nvPicPr>
-            <p:cNvPr id="34" name="Picture 2" descr="D:\11FDL\20151113ServerView_Cloud_Monitoring_Manager\02作成\ddl_download\8699_0014.png"/>
-            <p:cNvPicPr>
-              <a:picLocks noChangeAspect="1" noChangeArrowheads="1"/>
-            </p:cNvPicPr>
-            <p:nvPr/>
-          </p:nvPicPr>
-          <p:blipFill>
-            <a:blip r:embed="rId2" cstate="print">
-              <a:extLst>
-                <a:ext uri="{28A0092B-C50C-407E-A947-70E740481C1C}">
-                  <a14:useLocalDpi xmlns:a14="http://schemas.microsoft.com/office/drawing/2010/main" val="0"/>
-                </a:ext>
-              </a:extLst>
-            </a:blip>
-            <a:srcRect/>
-            <a:stretch>
-              <a:fillRect/>
-            </a:stretch>
-          </p:blipFill>
-          <p:spPr bwMode="auto">
-            <a:xfrm>
-              <a:off x="4427985" y="5733256"/>
-              <a:ext cx="720079" cy="505226"/>
-            </a:xfrm>
-            <a:prstGeom prst="rect">
-              <a:avLst/>
-            </a:prstGeom>
-            <a:noFill/>
-            <a:ln>
-              <a:noFill/>
-            </a:ln>
-            <a:effectLst/>
-            <a:extLst>
-              <a:ext uri="{909E8E84-426E-40DD-AFC4-6F175D3DCCD1}">
-                <a14:hiddenFill xmlns:a14="http://schemas.microsoft.com/office/drawing/2010/main">
-                  <a:solidFill>
-                    <a:srgbClr val="FFFFFF"/>
-                  </a:solidFill>
-                </a14:hiddenFill>
-              </a:ext>
-              <a:ext uri="{91240B29-F687-4F45-9708-019B960494DF}">
-                <a14:hiddenLine xmlns:a14="http://schemas.microsoft.com/office/drawing/2010/main" w="9525">
-                  <a:solidFill>
-                    <a:schemeClr val="tx1"/>
-                  </a:solidFill>
-                  <a:miter lim="800000"/>
-                  <a:headEnd/>
-                  <a:tailEnd/>
-                </a14:hiddenLine>
-              </a:ext>
-              <a:ext uri="{AF507438-7753-43E0-B8FC-AC1667EBCBE1}">
-                <a14:hiddenEffects xmlns:a14="http://schemas.microsoft.com/office/drawing/2010/main">
-                  <a:effectLst>
-                    <a:outerShdw dist="35921" dir="2700000" algn="ctr" rotWithShape="0">
-                      <a:schemeClr val="bg2"/>
-                    </a:outerShdw>
-                  </a:effectLst>
-                </a14:hiddenEffects>
-              </a:ext>
-            </a:extLst>
-          </p:spPr>
-        </p:pic>
-        <p:sp>
-          <p:nvSpPr>
-            <p:cNvPr id="35" name="TextBox 34"/>
-            <p:cNvSpPr txBox="1"/>
-            <p:nvPr/>
-          </p:nvSpPr>
-          <p:spPr>
-            <a:xfrm>
-              <a:off x="1971326" y="1614379"/>
-              <a:ext cx="944490" cy="374461"/>
-            </a:xfrm>
-            <a:prstGeom prst="rect">
-              <a:avLst/>
-            </a:prstGeom>
-            <a:noFill/>
-          </p:spPr>
-          <p:txBody>
-            <a:bodyPr wrap="none" rtlCol="0">
-              <a:spAutoFit/>
-            </a:bodyPr>
-            <a:lstStyle/>
-            <a:p>
-              <a:pPr>
-                <a:lnSpc>
-                  <a:spcPts val="1080"/>
-                </a:lnSpc>
-              </a:pPr>
-              <a:r>
-                <a:rPr lang="en-US" sz="1400" dirty="0" smtClean="0">
-                  <a:latin typeface="Fujitsu Sans" panose="020B0404060202020204" pitchFamily="34" charset="0"/>
-                </a:rPr>
-                <a:t>       Uses</a:t>
-              </a:r>
-              <a:r>
-                <a:rPr lang="en-US" sz="1400" dirty="0" smtClean="0">
-                  <a:latin typeface="Fujitsu Sans" panose="020B0404060202020204" pitchFamily="34" charset="0"/>
-                </a:rPr>
-                <a:t/>
-              </a:r>
-              <a:br>
-                <a:rPr lang="en-US" sz="1400" dirty="0" smtClean="0">
-                  <a:latin typeface="Fujitsu Sans" panose="020B0404060202020204" pitchFamily="34" charset="0"/>
-                </a:rPr>
-              </a:br>
-              <a:r>
-                <a:rPr lang="en-US" sz="1400" dirty="0" smtClean="0">
-                  <a:latin typeface="Fujitsu Sans" panose="020B0404060202020204" pitchFamily="34" charset="0"/>
-                </a:rPr>
-                <a:t>       Service A</a:t>
-              </a:r>
-              <a:endParaRPr lang="en-US" sz="1400" dirty="0">
-                <a:latin typeface="Fujitsu Sans" panose="020B0404060202020204" pitchFamily="34" charset="0"/>
-              </a:endParaRPr>
-            </a:p>
-          </p:txBody>
-        </p:sp>
-        <p:sp>
-          <p:nvSpPr>
-            <p:cNvPr id="36" name="TextBox 35"/>
-            <p:cNvSpPr txBox="1"/>
-            <p:nvPr/>
-          </p:nvSpPr>
-          <p:spPr>
-            <a:xfrm>
-              <a:off x="1978875" y="2736979"/>
-              <a:ext cx="912429" cy="374461"/>
-            </a:xfrm>
-            <a:prstGeom prst="rect">
-              <a:avLst/>
-            </a:prstGeom>
-            <a:noFill/>
-          </p:spPr>
-          <p:txBody>
-            <a:bodyPr wrap="none" rtlCol="0">
-              <a:spAutoFit/>
-            </a:bodyPr>
-            <a:lstStyle/>
-            <a:p>
-              <a:pPr>
-                <a:lnSpc>
-                  <a:spcPts val="1080"/>
-                </a:lnSpc>
-              </a:pPr>
-              <a:r>
-                <a:rPr lang="en-US" sz="1400" dirty="0" smtClean="0">
-                  <a:latin typeface="Fujitsu Sans" panose="020B0404060202020204" pitchFamily="34" charset="0"/>
-                </a:rPr>
-                <a:t>       Uses</a:t>
-              </a:r>
-              <a:r>
-                <a:rPr lang="en-US" sz="1400" dirty="0" smtClean="0">
-                  <a:latin typeface="Fujitsu Sans" panose="020B0404060202020204" pitchFamily="34" charset="0"/>
-                </a:rPr>
-                <a:t/>
-              </a:r>
-              <a:br>
-                <a:rPr lang="en-US" sz="1400" dirty="0" smtClean="0">
-                  <a:latin typeface="Fujitsu Sans" panose="020B0404060202020204" pitchFamily="34" charset="0"/>
-                </a:rPr>
-              </a:br>
-              <a:r>
-                <a:rPr lang="en-US" sz="1400" dirty="0" smtClean="0">
-                  <a:latin typeface="Fujitsu Sans" panose="020B0404060202020204" pitchFamily="34" charset="0"/>
-                </a:rPr>
-                <a:t>       Service B</a:t>
-              </a:r>
-              <a:endParaRPr lang="en-US" sz="1400" dirty="0">
-                <a:latin typeface="Fujitsu Sans" panose="020B0404060202020204" pitchFamily="34" charset="0"/>
-              </a:endParaRPr>
-            </a:p>
-          </p:txBody>
-        </p:sp>
-        <p:sp>
-          <p:nvSpPr>
-            <p:cNvPr id="37" name="TextBox 36"/>
-            <p:cNvSpPr txBox="1"/>
-            <p:nvPr/>
-          </p:nvSpPr>
-          <p:spPr>
-            <a:xfrm>
-              <a:off x="7524328" y="2730406"/>
-              <a:ext cx="723275" cy="338554"/>
-            </a:xfrm>
-            <a:prstGeom prst="rect">
-              <a:avLst/>
-            </a:prstGeom>
-            <a:noFill/>
-          </p:spPr>
-          <p:txBody>
-            <a:bodyPr wrap="none" rtlCol="0">
-              <a:spAutoFit/>
-            </a:bodyPr>
-            <a:lstStyle/>
-            <a:p>
-              <a:r>
-                <a:rPr lang="en-US" sz="1600" dirty="0" smtClean="0">
-                  <a:latin typeface="Fujitsu Sans" panose="020B0404060202020204" pitchFamily="34" charset="0"/>
-                </a:rPr>
-                <a:t>Operator</a:t>
-              </a:r>
-            </a:p>
-          </p:txBody>
-        </p:sp>
-        <p:sp>
-          <p:nvSpPr>
-            <p:cNvPr id="38" name="TextBox 37"/>
-            <p:cNvSpPr txBox="1"/>
-            <p:nvPr/>
-          </p:nvSpPr>
-          <p:spPr>
-            <a:xfrm>
-              <a:off x="4706405" y="2295862"/>
-              <a:ext cx="2887075" cy="374461"/>
-            </a:xfrm>
-            <a:prstGeom prst="rect">
-              <a:avLst/>
-            </a:prstGeom>
-            <a:noFill/>
-          </p:spPr>
-          <p:txBody>
-            <a:bodyPr wrap="square" rtlCol="0">
-              <a:spAutoFit/>
-            </a:bodyPr>
-            <a:lstStyle/>
-            <a:p>
-              <a:pPr>
-                <a:lnSpc>
-                  <a:spcPts val="1080"/>
-                </a:lnSpc>
-              </a:pPr>
-              <a:r>
-                <a:rPr lang="en-US" sz="1400" dirty="0" smtClean="0">
-                  <a:latin typeface="Fujitsu Sans" panose="020B0404060202020204" pitchFamily="34" charset="0"/>
-                </a:rPr>
-                <a:t>                              Monitors </a:t>
-              </a:r>
-              <a:r>
-                <a:rPr lang="en-US" sz="1400" dirty="0" smtClean="0">
-                  <a:latin typeface="Fujitsu Sans" panose="020B0404060202020204" pitchFamily="34" charset="0"/>
-                </a:rPr>
-                <a:t>the</a:t>
-              </a:r>
-              <a:br>
-                <a:rPr lang="en-US" sz="1400" dirty="0" smtClean="0">
-                  <a:latin typeface="Fujitsu Sans" panose="020B0404060202020204" pitchFamily="34" charset="0"/>
-                </a:rPr>
-              </a:br>
-              <a:r>
-                <a:rPr lang="en-US" sz="1400" dirty="0" smtClean="0">
-                  <a:latin typeface="Fujitsu Sans" panose="020B0404060202020204" pitchFamily="34" charset="0"/>
-                </a:rPr>
-                <a:t>                   </a:t>
-              </a:r>
-              <a:r>
-                <a:rPr lang="en-US" sz="1400" dirty="0" smtClean="0">
-                  <a:latin typeface="Fujitsu Sans" panose="020B0404060202020204" pitchFamily="34" charset="0"/>
-                </a:rPr>
-                <a:t>           Monitoring </a:t>
-              </a:r>
-              <a:r>
-                <a:rPr lang="en-US" sz="1400" dirty="0" smtClean="0">
-                  <a:latin typeface="Fujitsu Sans" panose="020B0404060202020204" pitchFamily="34" charset="0"/>
-                </a:rPr>
-                <a:t>Service itself</a:t>
-              </a:r>
-              <a:endParaRPr lang="en-US" sz="1400" dirty="0">
-                <a:latin typeface="Fujitsu Sans" panose="020B0404060202020204" pitchFamily="34" charset="0"/>
-              </a:endParaRPr>
-            </a:p>
-          </p:txBody>
-        </p:sp>
-        <p:sp>
-          <p:nvSpPr>
-            <p:cNvPr id="39" name="TextBox 38"/>
-            <p:cNvSpPr txBox="1"/>
-            <p:nvPr/>
-          </p:nvSpPr>
-          <p:spPr>
-            <a:xfrm>
-              <a:off x="5406767" y="2646056"/>
-              <a:ext cx="1600118" cy="534121"/>
-            </a:xfrm>
-            <a:prstGeom prst="rect">
-              <a:avLst/>
-            </a:prstGeom>
-            <a:noFill/>
-          </p:spPr>
-          <p:txBody>
-            <a:bodyPr wrap="none" rtlCol="0">
-              <a:spAutoFit/>
-            </a:bodyPr>
-            <a:lstStyle/>
-            <a:p>
-              <a:pPr>
-                <a:lnSpc>
-                  <a:spcPts val="1080"/>
-                </a:lnSpc>
-              </a:pPr>
-              <a:r>
-                <a:rPr lang="en-US" sz="1400" dirty="0" smtClean="0">
-                  <a:latin typeface="Fujitsu Sans" panose="020B0404060202020204" pitchFamily="34" charset="0"/>
-                </a:rPr>
-                <a:t>        </a:t>
-              </a:r>
-              <a:r>
-                <a:rPr lang="en-US" sz="1400" dirty="0" smtClean="0">
-                  <a:latin typeface="Fujitsu Sans" panose="020B0404060202020204" pitchFamily="34" charset="0"/>
-                </a:rPr>
-                <a:t>Collects </a:t>
-              </a:r>
-              <a:r>
-                <a:rPr lang="en-US" sz="1400" dirty="0" smtClean="0">
-                  <a:latin typeface="Fujitsu Sans" panose="020B0404060202020204" pitchFamily="34" charset="0"/>
-                </a:rPr>
-                <a:t>and analyzes</a:t>
-              </a:r>
-              <a:br>
-                <a:rPr lang="en-US" sz="1400" dirty="0" smtClean="0">
-                  <a:latin typeface="Fujitsu Sans" panose="020B0404060202020204" pitchFamily="34" charset="0"/>
-                </a:rPr>
-              </a:br>
-              <a:r>
-                <a:rPr lang="en-US" sz="1400" dirty="0" smtClean="0">
-                  <a:latin typeface="Fujitsu Sans" panose="020B0404060202020204" pitchFamily="34" charset="0"/>
-                </a:rPr>
-                <a:t>        log </a:t>
-              </a:r>
-              <a:r>
-                <a:rPr lang="en-US" sz="1400" dirty="0" smtClean="0">
-                  <a:latin typeface="Fujitsu Sans" panose="020B0404060202020204" pitchFamily="34" charset="0"/>
-                </a:rPr>
-                <a:t>data on the </a:t>
-              </a:r>
-              <a:br>
-                <a:rPr lang="en-US" sz="1400" dirty="0" smtClean="0">
-                  <a:latin typeface="Fujitsu Sans" panose="020B0404060202020204" pitchFamily="34" charset="0"/>
-                </a:rPr>
-              </a:br>
-              <a:r>
-                <a:rPr lang="en-US" sz="1400" dirty="0" smtClean="0">
-                  <a:latin typeface="Fujitsu Sans" panose="020B0404060202020204" pitchFamily="34" charset="0"/>
-                </a:rPr>
-                <a:t>     </a:t>
-              </a:r>
-              <a:r>
-                <a:rPr lang="en-US" sz="1400" dirty="0" smtClean="0">
-                  <a:latin typeface="Fujitsu Sans" panose="020B0404060202020204" pitchFamily="34" charset="0"/>
-                </a:rPr>
-                <a:t>   Monitoring </a:t>
+                <a:t>Monitoring </a:t>
               </a:r>
               <a:r>
                 <a:rPr lang="en-US" sz="1400" dirty="0" smtClean="0">
